--- a/AraBERT-Pydata.pptx
+++ b/AraBERT-Pydata.pptx
@@ -132,6 +132,11 @@
       </a:defRPr>
     </a:lvl9pPr>
   </p:defaultTextStyle>
+  <p:extLst>
+    <p:ext uri="{EFAFB233-063F-42B5-8137-9DF3F51BA10A}">
+      <p15:sldGuideLst xmlns:p15="http://schemas.microsoft.com/office/powerpoint/2012/main"/>
+    </p:ext>
+  </p:extLst>
 </p:presentation>
 </file>
 
@@ -217,7 +222,7 @@
           <a:p>
             <a:fld id="{1EB80991-7EA2-4DA5-9ABC-475E3BA7C35D}" type="datetimeFigureOut">
               <a:rPr lang="en-US" smtClean="0"/>
-              <a:t>13-May-20</a:t>
+              <a:t>17-May-20</a:t>
             </a:fld>
             <a:endParaRPr lang="en-US"/>
           </a:p>
@@ -5920,8 +5925,30 @@
           <a:p>
             <a:r>
               <a:rPr lang="en-US" dirty="0"/>
-              <a:t>Fill in the Mask Demo [LINK]</a:t>
-            </a:r>
+              <a:t>Fill in the Mask Demo </a:t>
+            </a:r>
+          </a:p>
+          <a:p>
+            <a:endParaRPr lang="en-US" dirty="0"/>
+          </a:p>
+          <a:p>
+            <a:pPr marL="0" indent="0">
+              <a:buNone/>
+            </a:pPr>
+            <a:r>
+              <a:rPr lang="en-US" dirty="0"/>
+              <a:t> </a:t>
+            </a:r>
+            <a:r>
+              <a:rPr lang="en-US" dirty="0">
+                <a:hlinkClick r:id="rId2"/>
+              </a:rPr>
+              <a:t>https://colab.research.google.com/drive/1kKhfoEsc-NbhxtpMI5VIBgr22V05OGeg?usp=sharing</a:t>
+            </a:r>
+            <a:endParaRPr lang="en-US" dirty="0"/>
+          </a:p>
+          <a:p>
+            <a:endParaRPr lang="en-US" dirty="0"/>
           </a:p>
         </p:txBody>
       </p:sp>
@@ -8411,13 +8438,111 @@
         </p:nvSpPr>
         <p:spPr/>
         <p:txBody>
-          <a:bodyPr/>
-          <a:lstStyle/>
-          <a:p>
-            <a:r>
-              <a:rPr lang="en-US" dirty="0"/>
-              <a:t>Demo on Colab</a:t>
-            </a:r>
+          <a:bodyPr>
+            <a:normAutofit/>
+          </a:bodyPr>
+          <a:lstStyle/>
+          <a:p>
+            <a:r>
+              <a:rPr lang="en-US" dirty="0"/>
+              <a:t>Demo on Colab with TensorFlow’s Estimators</a:t>
+            </a:r>
+          </a:p>
+          <a:p>
+            <a:endParaRPr lang="en-US" dirty="0"/>
+          </a:p>
+          <a:p>
+            <a:r>
+              <a:rPr lang="en-US" dirty="0"/>
+              <a:t>Demo using </a:t>
+            </a:r>
+            <a:r>
+              <a:rPr lang="en-US" dirty="0" err="1"/>
+              <a:t>Pytorch</a:t>
+            </a:r>
+            <a:r>
+              <a:rPr lang="en-US" dirty="0"/>
+              <a:t>: </a:t>
+            </a:r>
+            <a:r>
+              <a:rPr lang="en-US" dirty="0">
+                <a:hlinkClick r:id="rId2"/>
+              </a:rPr>
+              <a:t>https://colab.research.google.com/drive/14QHSaXv25MCRCQL8PdcscNJ4-0ym1aIG?usp=sharing</a:t>
+            </a:r>
+            <a:r>
+              <a:rPr lang="en-US" dirty="0"/>
+              <a:t> </a:t>
+            </a:r>
+          </a:p>
+          <a:p>
+            <a:endParaRPr lang="en-US" dirty="0"/>
+          </a:p>
+          <a:p>
+            <a:r>
+              <a:rPr lang="en-US" dirty="0"/>
+              <a:t>COMING SOON: Demo using </a:t>
+            </a:r>
+            <a:r>
+              <a:rPr lang="en-US" dirty="0" err="1"/>
+              <a:t>HuggingFace</a:t>
+            </a:r>
+            <a:r>
+              <a:rPr lang="en-US" dirty="0"/>
+              <a:t> Trainer API with </a:t>
+            </a:r>
+            <a:r>
+              <a:rPr lang="en-US" dirty="0" err="1"/>
+              <a:t>Pytorch</a:t>
+            </a:r>
+            <a:r>
+              <a:rPr lang="en-US" dirty="0"/>
+              <a:t> and TF</a:t>
+            </a:r>
+          </a:p>
+          <a:p>
+            <a:endParaRPr lang="en-US" dirty="0"/>
+          </a:p>
+          <a:p>
+            <a:r>
+              <a:rPr lang="en-US" dirty="0"/>
+              <a:t>Classification colab: </a:t>
+            </a:r>
+            <a:r>
+              <a:rPr lang="en-US" dirty="0">
+                <a:hlinkClick r:id="rId3"/>
+              </a:rPr>
+              <a:t>https://colab.research.google.com/drive/1WhewqK_sFxOyLknbzj8jUqM_bFpkdPi_?usp=sharing </a:t>
+            </a:r>
+            <a:endParaRPr lang="en-US" dirty="0"/>
+          </a:p>
+          <a:p>
+            <a:r>
+              <a:rPr lang="en-US" dirty="0"/>
+              <a:t>AraBERT: </a:t>
+            </a:r>
+            <a:r>
+              <a:rPr lang="en-US" dirty="0">
+                <a:hlinkClick r:id="rId4"/>
+              </a:rPr>
+              <a:t>https://github.com/aub-mind/arabert</a:t>
+            </a:r>
+            <a:endParaRPr lang="en-US" dirty="0"/>
+          </a:p>
+          <a:p>
+            <a:endParaRPr lang="en-US" dirty="0"/>
+          </a:p>
+          <a:p>
+            <a:pPr marL="0" indent="0">
+              <a:buNone/>
+            </a:pPr>
+            <a:endParaRPr lang="en-US" dirty="0"/>
+          </a:p>
+          <a:p>
+            <a:endParaRPr lang="en-US" dirty="0"/>
+          </a:p>
+          <a:p>
+            <a:endParaRPr lang="en-US" dirty="0"/>
           </a:p>
         </p:txBody>
       </p:sp>
@@ -9106,7 +9231,11 @@
           <a:p>
             <a:pPr algn="ctr"/>
             <a:r>
-              <a:rPr lang="en-US" dirty="0"/>
+              <a:rPr lang="en-US" dirty="0">
+                <a:solidFill>
+                  <a:schemeClr val="tx1"/>
+                </a:solidFill>
+              </a:rPr>
               <a:t>Model 1</a:t>
             </a:r>
           </a:p>
@@ -9161,7 +9290,11 @@
           <a:p>
             <a:pPr algn="ctr"/>
             <a:r>
-              <a:rPr lang="en-US" dirty="0"/>
+              <a:rPr lang="en-US" dirty="0">
+                <a:solidFill>
+                  <a:schemeClr val="tx1"/>
+                </a:solidFill>
+              </a:rPr>
               <a:t>Model 2</a:t>
             </a:r>
           </a:p>

--- a/AraBERT-Pydata.pptx
+++ b/AraBERT-Pydata.pptx
@@ -5,35 +5,36 @@
     <p:sldMasterId id="2147483660" r:id="rId1"/>
   </p:sldMasterIdLst>
   <p:notesMasterIdLst>
-    <p:notesMasterId r:id="rId28"/>
+    <p:notesMasterId r:id="rId29"/>
   </p:notesMasterIdLst>
   <p:sldIdLst>
     <p:sldId id="256" r:id="rId2"/>
     <p:sldId id="257" r:id="rId3"/>
-    <p:sldId id="258" r:id="rId4"/>
-    <p:sldId id="259" r:id="rId5"/>
-    <p:sldId id="260" r:id="rId6"/>
-    <p:sldId id="261" r:id="rId7"/>
-    <p:sldId id="262" r:id="rId8"/>
-    <p:sldId id="263" r:id="rId9"/>
-    <p:sldId id="264" r:id="rId10"/>
-    <p:sldId id="265" r:id="rId11"/>
-    <p:sldId id="266" r:id="rId12"/>
-    <p:sldId id="267" r:id="rId13"/>
-    <p:sldId id="268" r:id="rId14"/>
-    <p:sldId id="269" r:id="rId15"/>
-    <p:sldId id="270" r:id="rId16"/>
-    <p:sldId id="271" r:id="rId17"/>
-    <p:sldId id="272" r:id="rId18"/>
-    <p:sldId id="275" r:id="rId19"/>
-    <p:sldId id="273" r:id="rId20"/>
-    <p:sldId id="274" r:id="rId21"/>
-    <p:sldId id="276" r:id="rId22"/>
-    <p:sldId id="277" r:id="rId23"/>
-    <p:sldId id="278" r:id="rId24"/>
-    <p:sldId id="279" r:id="rId25"/>
-    <p:sldId id="280" r:id="rId26"/>
-    <p:sldId id="281" r:id="rId27"/>
+    <p:sldId id="282" r:id="rId4"/>
+    <p:sldId id="258" r:id="rId5"/>
+    <p:sldId id="259" r:id="rId6"/>
+    <p:sldId id="260" r:id="rId7"/>
+    <p:sldId id="261" r:id="rId8"/>
+    <p:sldId id="262" r:id="rId9"/>
+    <p:sldId id="263" r:id="rId10"/>
+    <p:sldId id="264" r:id="rId11"/>
+    <p:sldId id="265" r:id="rId12"/>
+    <p:sldId id="266" r:id="rId13"/>
+    <p:sldId id="267" r:id="rId14"/>
+    <p:sldId id="268" r:id="rId15"/>
+    <p:sldId id="269" r:id="rId16"/>
+    <p:sldId id="270" r:id="rId17"/>
+    <p:sldId id="271" r:id="rId18"/>
+    <p:sldId id="272" r:id="rId19"/>
+    <p:sldId id="275" r:id="rId20"/>
+    <p:sldId id="273" r:id="rId21"/>
+    <p:sldId id="274" r:id="rId22"/>
+    <p:sldId id="276" r:id="rId23"/>
+    <p:sldId id="277" r:id="rId24"/>
+    <p:sldId id="278" r:id="rId25"/>
+    <p:sldId id="279" r:id="rId26"/>
+    <p:sldId id="280" r:id="rId27"/>
+    <p:sldId id="281" r:id="rId28"/>
   </p:sldIdLst>
   <p:sldSz cx="12192000" cy="6858000"/>
   <p:notesSz cx="6858000" cy="9144000"/>
@@ -581,7 +582,7 @@
           <a:p>
             <a:fld id="{08EF0AF9-000E-46C3-B072-1643EB6A9CA6}" type="slidenum">
               <a:rPr lang="en-US" smtClean="0"/>
-              <a:t>3</a:t>
+              <a:t>4</a:t>
             </a:fld>
             <a:endParaRPr lang="en-US"/>
           </a:p>
@@ -668,7 +669,7 @@
           <a:p>
             <a:fld id="{08EF0AF9-000E-46C3-B072-1643EB6A9CA6}" type="slidenum">
               <a:rPr lang="en-US" smtClean="0"/>
-              <a:t>4</a:t>
+              <a:t>5</a:t>
             </a:fld>
             <a:endParaRPr lang="en-US"/>
           </a:p>
@@ -794,7 +795,7 @@
           <a:p>
             <a:fld id="{08EF0AF9-000E-46C3-B072-1643EB6A9CA6}" type="slidenum">
               <a:rPr lang="en-US" smtClean="0"/>
-              <a:t>5</a:t>
+              <a:t>6</a:t>
             </a:fld>
             <a:endParaRPr lang="en-US"/>
           </a:p>
@@ -905,7 +906,7 @@
           <a:p>
             <a:fld id="{08EF0AF9-000E-46C3-B072-1643EB6A9CA6}" type="slidenum">
               <a:rPr lang="en-US" smtClean="0"/>
-              <a:t>6</a:t>
+              <a:t>7</a:t>
             </a:fld>
             <a:endParaRPr lang="en-US"/>
           </a:p>
@@ -989,7 +990,7 @@
           <a:p>
             <a:fld id="{08EF0AF9-000E-46C3-B072-1643EB6A9CA6}" type="slidenum">
               <a:rPr lang="en-US" smtClean="0"/>
-              <a:t>8</a:t>
+              <a:t>9</a:t>
             </a:fld>
             <a:endParaRPr lang="en-US"/>
           </a:p>
@@ -1076,7 +1077,7 @@
           <a:p>
             <a:fld id="{08EF0AF9-000E-46C3-B072-1643EB6A9CA6}" type="slidenum">
               <a:rPr lang="en-US" smtClean="0"/>
-              <a:t>10</a:t>
+              <a:t>11</a:t>
             </a:fld>
             <a:endParaRPr lang="en-US"/>
           </a:p>
@@ -1160,7 +1161,7 @@
           <a:p>
             <a:fld id="{08EF0AF9-000E-46C3-B072-1643EB6A9CA6}" type="slidenum">
               <a:rPr lang="en-US" smtClean="0"/>
-              <a:t>12</a:t>
+              <a:t>13</a:t>
             </a:fld>
             <a:endParaRPr lang="en-US"/>
           </a:p>
@@ -1255,7 +1256,7 @@
           <a:p>
             <a:fld id="{08EF0AF9-000E-46C3-B072-1643EB6A9CA6}" type="slidenum">
               <a:rPr lang="en-US" smtClean="0"/>
-              <a:t>13</a:t>
+              <a:t>14</a:t>
             </a:fld>
             <a:endParaRPr lang="en-US"/>
           </a:p>
@@ -1421,7 +1422,7 @@
           <a:p>
             <a:fld id="{08EF0AF9-000E-46C3-B072-1643EB6A9CA6}" type="slidenum">
               <a:rPr lang="en-US" smtClean="0"/>
-              <a:t>19</a:t>
+              <a:t>20</a:t>
             </a:fld>
             <a:endParaRPr lang="en-US"/>
           </a:p>
@@ -4820,40 +4821,12 @@
           <a:chExt cx="0" cy="0"/>
         </a:xfrm>
       </p:grpSpPr>
-      <p:sp>
-        <p:nvSpPr>
-          <p:cNvPr id="2" name="Title 1">
-            <a:extLst>
-              <a:ext uri="{FF2B5EF4-FFF2-40B4-BE49-F238E27FC236}">
-                <a16:creationId xmlns:a16="http://schemas.microsoft.com/office/drawing/2014/main" id="{166D34F0-4C40-4090-B624-7F15AB8F7923}"/>
-              </a:ext>
-            </a:extLst>
-          </p:cNvPr>
-          <p:cNvSpPr>
-            <a:spLocks noGrp="1"/>
-          </p:cNvSpPr>
-          <p:nvPr>
-            <p:ph type="title"/>
-          </p:nvPr>
-        </p:nvSpPr>
-        <p:spPr/>
-        <p:txBody>
-          <a:bodyPr/>
-          <a:lstStyle/>
-          <a:p>
-            <a:r>
-              <a:rPr lang="en-US" dirty="0"/>
-              <a:t>BERT - Input</a:t>
-            </a:r>
-          </a:p>
-        </p:txBody>
-      </p:sp>
       <p:pic>
         <p:nvPicPr>
-          <p:cNvPr id="3074" name="Picture 2" descr="http://jalammar.github.io/images/bert-encoders-input.png">
-            <a:extLst>
-              <a:ext uri="{FF2B5EF4-FFF2-40B4-BE49-F238E27FC236}">
-                <a16:creationId xmlns:a16="http://schemas.microsoft.com/office/drawing/2014/main" id="{F02D2F94-6B51-435B-8F6D-6A07F2CEC6D7}"/>
+          <p:cNvPr id="6" name="Picture 2" descr="Practical AI : Using pretrained BERT to generate grammar and ...">
+            <a:extLst>
+              <a:ext uri="{FF2B5EF4-FFF2-40B4-BE49-F238E27FC236}">
+                <a16:creationId xmlns:a16="http://schemas.microsoft.com/office/drawing/2014/main" id="{A7EDAD06-DFB5-421F-984E-6A4E60F89234}"/>
               </a:ext>
             </a:extLst>
           </p:cNvPr>
@@ -4863,20 +4836,20 @@
           <p:nvPr/>
         </p:nvPicPr>
         <p:blipFill rotWithShape="1">
-          <a:blip r:embed="rId3">
+          <a:blip r:embed="rId2">
             <a:extLst>
               <a:ext uri="{28A0092B-C50C-407E-A947-70E740481C1C}">
                 <a14:useLocalDpi xmlns:a14="http://schemas.microsoft.com/office/drawing/2010/main" val="0"/>
               </a:ext>
             </a:extLst>
           </a:blip>
-          <a:srcRect l="17016" r="22500"/>
+          <a:srcRect l="16606" r="12333"/>
           <a:stretch/>
         </p:blipFill>
         <p:spPr bwMode="auto">
           <a:xfrm>
-            <a:off x="2683110" y="1550787"/>
-            <a:ext cx="6825780" cy="4289292"/>
+            <a:off x="10161437" y="3048000"/>
+            <a:ext cx="2030563" cy="3810000"/>
           </a:xfrm>
           <a:prstGeom prst="rect">
             <a:avLst/>
@@ -4893,10 +4866,299 @@
           </a:extLst>
         </p:spPr>
       </p:pic>
+      <p:sp>
+        <p:nvSpPr>
+          <p:cNvPr id="2" name="Title 1">
+            <a:extLst>
+              <a:ext uri="{FF2B5EF4-FFF2-40B4-BE49-F238E27FC236}">
+                <a16:creationId xmlns:a16="http://schemas.microsoft.com/office/drawing/2014/main" id="{3FB36340-B236-4551-BFFE-A2081656ACE3}"/>
+              </a:ext>
+            </a:extLst>
+          </p:cNvPr>
+          <p:cNvSpPr>
+            <a:spLocks noGrp="1"/>
+          </p:cNvSpPr>
+          <p:nvPr>
+            <p:ph type="title"/>
+          </p:nvPr>
+        </p:nvSpPr>
+        <p:spPr/>
+        <p:txBody>
+          <a:bodyPr/>
+          <a:lstStyle/>
+          <a:p>
+            <a:r>
+              <a:rPr lang="en-US" dirty="0"/>
+              <a:t>BERT</a:t>
+            </a:r>
+          </a:p>
+        </p:txBody>
+      </p:sp>
+      <p:sp>
+        <p:nvSpPr>
+          <p:cNvPr id="3" name="Content Placeholder 2">
+            <a:extLst>
+              <a:ext uri="{FF2B5EF4-FFF2-40B4-BE49-F238E27FC236}">
+                <a16:creationId xmlns:a16="http://schemas.microsoft.com/office/drawing/2014/main" id="{1EC1C571-DC14-4A10-8CA7-A168802B1CF3}"/>
+              </a:ext>
+            </a:extLst>
+          </p:cNvPr>
+          <p:cNvSpPr>
+            <a:spLocks noGrp="1"/>
+          </p:cNvSpPr>
+          <p:nvPr>
+            <p:ph idx="1"/>
+          </p:nvPr>
+        </p:nvSpPr>
+        <p:spPr>
+          <a:xfrm>
+            <a:off x="838200" y="1341690"/>
+            <a:ext cx="3645310" cy="4835273"/>
+          </a:xfrm>
+        </p:spPr>
+        <p:txBody>
+          <a:bodyPr/>
+          <a:lstStyle/>
+          <a:p>
+            <a:endParaRPr lang="en-US" dirty="0"/>
+          </a:p>
+          <a:p>
+            <a:r>
+              <a:rPr lang="en-US" dirty="0"/>
+              <a:t>Base: </a:t>
+            </a:r>
+          </a:p>
+          <a:p>
+            <a:pPr lvl="1"/>
+            <a:r>
+              <a:rPr lang="en-US" dirty="0"/>
+              <a:t>12 encoder layers</a:t>
+            </a:r>
+          </a:p>
+          <a:p>
+            <a:pPr lvl="1"/>
+            <a:r>
+              <a:rPr lang="en-US" dirty="0"/>
+              <a:t>12 attention heads</a:t>
+            </a:r>
+          </a:p>
+          <a:p>
+            <a:pPr lvl="1"/>
+            <a:r>
+              <a:rPr lang="en-US" dirty="0"/>
+              <a:t>768 hidden units</a:t>
+            </a:r>
+          </a:p>
+          <a:p>
+            <a:pPr lvl="1"/>
+            <a:r>
+              <a:rPr lang="en-US" dirty="0"/>
+              <a:t>~110M parameters</a:t>
+            </a:r>
+          </a:p>
+          <a:p>
+            <a:endParaRPr lang="en-US" dirty="0"/>
+          </a:p>
+          <a:p>
+            <a:r>
+              <a:rPr lang="en-US" dirty="0"/>
+              <a:t>Large: </a:t>
+            </a:r>
+          </a:p>
+          <a:p>
+            <a:pPr lvl="1"/>
+            <a:r>
+              <a:rPr lang="en-US" dirty="0"/>
+              <a:t>24 encoder layers</a:t>
+            </a:r>
+          </a:p>
+          <a:p>
+            <a:pPr lvl="1"/>
+            <a:r>
+              <a:rPr lang="en-US" dirty="0"/>
+              <a:t>16 attention heads</a:t>
+            </a:r>
+          </a:p>
+          <a:p>
+            <a:pPr lvl="1"/>
+            <a:r>
+              <a:rPr lang="en-US" dirty="0"/>
+              <a:t>1024 hidden units</a:t>
+            </a:r>
+          </a:p>
+          <a:p>
+            <a:pPr lvl="1"/>
+            <a:r>
+              <a:rPr lang="en-US" dirty="0"/>
+              <a:t>~330M parameters</a:t>
+            </a:r>
+          </a:p>
+          <a:p>
+            <a:endParaRPr lang="en-US" dirty="0"/>
+          </a:p>
+        </p:txBody>
+      </p:sp>
+      <p:pic>
+        <p:nvPicPr>
+          <p:cNvPr id="4" name="Picture 3">
+            <a:extLst>
+              <a:ext uri="{FF2B5EF4-FFF2-40B4-BE49-F238E27FC236}">
+                <a16:creationId xmlns:a16="http://schemas.microsoft.com/office/drawing/2014/main" id="{95A68674-2B9F-4C58-8423-62059B41D33F}"/>
+              </a:ext>
+            </a:extLst>
+          </p:cNvPr>
+          <p:cNvPicPr>
+            <a:picLocks noChangeAspect="1"/>
+          </p:cNvPicPr>
+          <p:nvPr/>
+        </p:nvPicPr>
+        <p:blipFill>
+          <a:blip r:embed="rId3"/>
+          <a:stretch>
+            <a:fillRect/>
+          </a:stretch>
+        </p:blipFill>
+        <p:spPr>
+          <a:xfrm>
+            <a:off x="4369312" y="1887402"/>
+            <a:ext cx="5906324" cy="3743847"/>
+          </a:xfrm>
+          <a:prstGeom prst="rect">
+            <a:avLst/>
+          </a:prstGeom>
+        </p:spPr>
+      </p:pic>
+      <p:sp>
+        <p:nvSpPr>
+          <p:cNvPr id="5" name="Rectangle 4">
+            <a:extLst>
+              <a:ext uri="{FF2B5EF4-FFF2-40B4-BE49-F238E27FC236}">
+                <a16:creationId xmlns:a16="http://schemas.microsoft.com/office/drawing/2014/main" id="{EBC301F9-2AE0-4CBE-80EA-787403F80792}"/>
+              </a:ext>
+            </a:extLst>
+          </p:cNvPr>
+          <p:cNvSpPr/>
+          <p:nvPr/>
+        </p:nvSpPr>
+        <p:spPr>
+          <a:xfrm>
+            <a:off x="838200" y="1238116"/>
+            <a:ext cx="8056949" cy="461665"/>
+          </a:xfrm>
+          <a:prstGeom prst="rect">
+            <a:avLst/>
+          </a:prstGeom>
+        </p:spPr>
+        <p:txBody>
+          <a:bodyPr wrap="none">
+            <a:spAutoFit/>
+          </a:bodyPr>
+          <a:lstStyle/>
+          <a:p>
+            <a:pPr>
+              <a:buFont typeface="Arial" panose="020B0604020202020204" pitchFamily="34" charset="0"/>
+              <a:buChar char="•"/>
+            </a:pPr>
+            <a:r>
+              <a:rPr lang="en-US" sz="2400" b="1" dirty="0"/>
+              <a:t>  </a:t>
+            </a:r>
+            <a:r>
+              <a:rPr lang="en-US" sz="2400" b="1" dirty="0">
+                <a:solidFill>
+                  <a:srgbClr val="FF0000"/>
+                </a:solidFill>
+              </a:rPr>
+              <a:t>B</a:t>
+            </a:r>
+            <a:r>
+              <a:rPr lang="en-US" sz="2400" dirty="0"/>
+              <a:t>idirectional </a:t>
+            </a:r>
+            <a:r>
+              <a:rPr lang="en-US" sz="2400" b="1" dirty="0">
+                <a:solidFill>
+                  <a:srgbClr val="FF0000"/>
+                </a:solidFill>
+              </a:rPr>
+              <a:t>E</a:t>
+            </a:r>
+            <a:r>
+              <a:rPr lang="en-US" sz="2400" dirty="0"/>
+              <a:t>ncoder </a:t>
+            </a:r>
+            <a:r>
+              <a:rPr lang="en-US" sz="2400" b="1" dirty="0">
+                <a:solidFill>
+                  <a:srgbClr val="FF0000"/>
+                </a:solidFill>
+              </a:rPr>
+              <a:t>R</a:t>
+            </a:r>
+            <a:r>
+              <a:rPr lang="en-US" sz="2400" dirty="0"/>
+              <a:t>epresentations from </a:t>
+            </a:r>
+            <a:r>
+              <a:rPr lang="en-US" sz="2400" b="1" dirty="0">
+                <a:solidFill>
+                  <a:srgbClr val="FF0000"/>
+                </a:solidFill>
+              </a:rPr>
+              <a:t>T</a:t>
+            </a:r>
+            <a:r>
+              <a:rPr lang="en-US" sz="2400" dirty="0"/>
+              <a:t>ransformers</a:t>
+            </a:r>
+          </a:p>
+        </p:txBody>
+      </p:sp>
+      <p:sp>
+        <p:nvSpPr>
+          <p:cNvPr id="7" name="Rectangle 6">
+            <a:extLst>
+              <a:ext uri="{FF2B5EF4-FFF2-40B4-BE49-F238E27FC236}">
+                <a16:creationId xmlns:a16="http://schemas.microsoft.com/office/drawing/2014/main" id="{0140D744-9598-47D7-B277-81D57EBBDD9A}"/>
+              </a:ext>
+            </a:extLst>
+          </p:cNvPr>
+          <p:cNvSpPr/>
+          <p:nvPr/>
+        </p:nvSpPr>
+        <p:spPr>
+          <a:xfrm>
+            <a:off x="0" y="6492874"/>
+            <a:ext cx="6769100" cy="276999"/>
+          </a:xfrm>
+          <a:prstGeom prst="rect">
+            <a:avLst/>
+          </a:prstGeom>
+        </p:spPr>
+        <p:txBody>
+          <a:bodyPr wrap="square">
+            <a:spAutoFit/>
+          </a:bodyPr>
+          <a:lstStyle/>
+          <a:p>
+            <a:r>
+              <a:rPr lang="en-US" sz="1200" dirty="0"/>
+              <a:t>Figures by </a:t>
+            </a:r>
+            <a:r>
+              <a:rPr lang="en-US" sz="1200" dirty="0">
+                <a:hlinkClick r:id="rId4"/>
+              </a:rPr>
+              <a:t>http://jalammar.github.io/illustrated-transformer/</a:t>
+            </a:r>
+            <a:endParaRPr lang="en-US" sz="1200" dirty="0"/>
+          </a:p>
+        </p:txBody>
+      </p:sp>
     </p:spTree>
     <p:extLst>
       <p:ext uri="{BB962C8B-B14F-4D97-AF65-F5344CB8AC3E}">
-        <p14:creationId xmlns:p14="http://schemas.microsoft.com/office/powerpoint/2010/main" val="1427885237"/>
+        <p14:creationId xmlns:p14="http://schemas.microsoft.com/office/powerpoint/2010/main" val="4021108708"/>
       </p:ext>
     </p:extLst>
   </p:cSld>
@@ -4928,6 +5190,109 @@
           <p:cNvPr id="2" name="Title 1">
             <a:extLst>
               <a:ext uri="{FF2B5EF4-FFF2-40B4-BE49-F238E27FC236}">
+                <a16:creationId xmlns:a16="http://schemas.microsoft.com/office/drawing/2014/main" id="{166D34F0-4C40-4090-B624-7F15AB8F7923}"/>
+              </a:ext>
+            </a:extLst>
+          </p:cNvPr>
+          <p:cNvSpPr>
+            <a:spLocks noGrp="1"/>
+          </p:cNvSpPr>
+          <p:nvPr>
+            <p:ph type="title"/>
+          </p:nvPr>
+        </p:nvSpPr>
+        <p:spPr/>
+        <p:txBody>
+          <a:bodyPr/>
+          <a:lstStyle/>
+          <a:p>
+            <a:r>
+              <a:rPr lang="en-US" dirty="0"/>
+              <a:t>BERT - Input</a:t>
+            </a:r>
+          </a:p>
+        </p:txBody>
+      </p:sp>
+      <p:pic>
+        <p:nvPicPr>
+          <p:cNvPr id="3074" name="Picture 2" descr="http://jalammar.github.io/images/bert-encoders-input.png">
+            <a:extLst>
+              <a:ext uri="{FF2B5EF4-FFF2-40B4-BE49-F238E27FC236}">
+                <a16:creationId xmlns:a16="http://schemas.microsoft.com/office/drawing/2014/main" id="{F02D2F94-6B51-435B-8F6D-6A07F2CEC6D7}"/>
+              </a:ext>
+            </a:extLst>
+          </p:cNvPr>
+          <p:cNvPicPr>
+            <a:picLocks noChangeAspect="1" noChangeArrowheads="1"/>
+          </p:cNvPicPr>
+          <p:nvPr/>
+        </p:nvPicPr>
+        <p:blipFill rotWithShape="1">
+          <a:blip r:embed="rId3">
+            <a:extLst>
+              <a:ext uri="{28A0092B-C50C-407E-A947-70E740481C1C}">
+                <a14:useLocalDpi xmlns:a14="http://schemas.microsoft.com/office/drawing/2010/main" val="0"/>
+              </a:ext>
+            </a:extLst>
+          </a:blip>
+          <a:srcRect l="17016" r="22500"/>
+          <a:stretch/>
+        </p:blipFill>
+        <p:spPr bwMode="auto">
+          <a:xfrm>
+            <a:off x="2683110" y="1550787"/>
+            <a:ext cx="6825780" cy="4289292"/>
+          </a:xfrm>
+          <a:prstGeom prst="rect">
+            <a:avLst/>
+          </a:prstGeom>
+          <a:noFill/>
+          <a:extLst>
+            <a:ext uri="{909E8E84-426E-40DD-AFC4-6F175D3DCCD1}">
+              <a14:hiddenFill xmlns:a14="http://schemas.microsoft.com/office/drawing/2010/main">
+                <a:solidFill>
+                  <a:srgbClr val="FFFFFF"/>
+                </a:solidFill>
+              </a14:hiddenFill>
+            </a:ext>
+          </a:extLst>
+        </p:spPr>
+      </p:pic>
+    </p:spTree>
+    <p:extLst>
+      <p:ext uri="{BB962C8B-B14F-4D97-AF65-F5344CB8AC3E}">
+        <p14:creationId xmlns:p14="http://schemas.microsoft.com/office/powerpoint/2010/main" val="1427885237"/>
+      </p:ext>
+    </p:extLst>
+  </p:cSld>
+  <p:clrMapOvr>
+    <a:masterClrMapping/>
+  </p:clrMapOvr>
+</p:sld>
+</file>
+
+<file path=ppt/slides/slide12.xml><?xml version="1.0" encoding="utf-8"?>
+<p:sld xmlns:a="http://schemas.openxmlformats.org/drawingml/2006/main" xmlns:r="http://schemas.openxmlformats.org/officeDocument/2006/relationships" xmlns:p="http://schemas.openxmlformats.org/presentationml/2006/main">
+  <p:cSld>
+    <p:spTree>
+      <p:nvGrpSpPr>
+        <p:cNvPr id="1" name=""/>
+        <p:cNvGrpSpPr/>
+        <p:nvPr/>
+      </p:nvGrpSpPr>
+      <p:grpSpPr>
+        <a:xfrm>
+          <a:off x="0" y="0"/>
+          <a:ext cx="0" cy="0"/>
+          <a:chOff x="0" y="0"/>
+          <a:chExt cx="0" cy="0"/>
+        </a:xfrm>
+      </p:grpSpPr>
+      <p:sp>
+        <p:nvSpPr>
+          <p:cNvPr id="2" name="Title 1">
+            <a:extLst>
+              <a:ext uri="{FF2B5EF4-FFF2-40B4-BE49-F238E27FC236}">
                 <a16:creationId xmlns:a16="http://schemas.microsoft.com/office/drawing/2014/main" id="{E8E76A34-9C5E-4B2C-94EE-B93EECAE418A}"/>
               </a:ext>
             </a:extLst>
@@ -5418,7 +5783,7 @@
 </p:sld>
 </file>
 
-<file path=ppt/slides/slide12.xml><?xml version="1.0" encoding="utf-8"?>
+<file path=ppt/slides/slide13.xml><?xml version="1.0" encoding="utf-8"?>
 <p:sld xmlns:a="http://schemas.openxmlformats.org/drawingml/2006/main" xmlns:r="http://schemas.openxmlformats.org/officeDocument/2006/relationships" xmlns:p="http://schemas.openxmlformats.org/presentationml/2006/main">
   <p:cSld>
     <p:spTree>
@@ -5701,162 +6066,6 @@
 </p:sld>
 </file>
 
-<file path=ppt/slides/slide13.xml><?xml version="1.0" encoding="utf-8"?>
-<p:sld xmlns:a="http://schemas.openxmlformats.org/drawingml/2006/main" xmlns:r="http://schemas.openxmlformats.org/officeDocument/2006/relationships" xmlns:p="http://schemas.openxmlformats.org/presentationml/2006/main">
-  <p:cSld>
-    <p:spTree>
-      <p:nvGrpSpPr>
-        <p:cNvPr id="1" name=""/>
-        <p:cNvGrpSpPr/>
-        <p:nvPr/>
-      </p:nvGrpSpPr>
-      <p:grpSpPr>
-        <a:xfrm>
-          <a:off x="0" y="0"/>
-          <a:ext cx="0" cy="0"/>
-          <a:chOff x="0" y="0"/>
-          <a:chExt cx="0" cy="0"/>
-        </a:xfrm>
-      </p:grpSpPr>
-      <p:sp>
-        <p:nvSpPr>
-          <p:cNvPr id="2" name="Title 1">
-            <a:extLst>
-              <a:ext uri="{FF2B5EF4-FFF2-40B4-BE49-F238E27FC236}">
-                <a16:creationId xmlns:a16="http://schemas.microsoft.com/office/drawing/2014/main" id="{8CED09FE-378A-4F14-8D15-EBFA75BA333A}"/>
-              </a:ext>
-            </a:extLst>
-          </p:cNvPr>
-          <p:cNvSpPr>
-            <a:spLocks noGrp="1"/>
-          </p:cNvSpPr>
-          <p:nvPr>
-            <p:ph type="title"/>
-          </p:nvPr>
-        </p:nvSpPr>
-        <p:spPr/>
-        <p:txBody>
-          <a:bodyPr/>
-          <a:lstStyle/>
-          <a:p>
-            <a:r>
-              <a:rPr lang="en-US" dirty="0"/>
-              <a:t>BERT – Pre-Training</a:t>
-            </a:r>
-          </a:p>
-        </p:txBody>
-      </p:sp>
-      <p:sp>
-        <p:nvSpPr>
-          <p:cNvPr id="3" name="Content Placeholder 2">
-            <a:extLst>
-              <a:ext uri="{FF2B5EF4-FFF2-40B4-BE49-F238E27FC236}">
-                <a16:creationId xmlns:a16="http://schemas.microsoft.com/office/drawing/2014/main" id="{16AFB9A2-6C38-4ED0-B50F-8469A9E91C22}"/>
-              </a:ext>
-            </a:extLst>
-          </p:cNvPr>
-          <p:cNvSpPr>
-            <a:spLocks noGrp="1"/>
-          </p:cNvSpPr>
-          <p:nvPr>
-            <p:ph idx="1"/>
-          </p:nvPr>
-        </p:nvSpPr>
-        <p:spPr/>
-        <p:txBody>
-          <a:bodyPr/>
-          <a:lstStyle/>
-          <a:p>
-            <a:r>
-              <a:rPr lang="en-US" dirty="0"/>
-              <a:t>Next sentence prediction</a:t>
-            </a:r>
-          </a:p>
-        </p:txBody>
-      </p:sp>
-      <p:pic>
-        <p:nvPicPr>
-          <p:cNvPr id="4" name="Picture 3">
-            <a:extLst>
-              <a:ext uri="{FF2B5EF4-FFF2-40B4-BE49-F238E27FC236}">
-                <a16:creationId xmlns:a16="http://schemas.microsoft.com/office/drawing/2014/main" id="{7E970AF7-8F75-4B3D-9C51-5732F4478A82}"/>
-              </a:ext>
-            </a:extLst>
-          </p:cNvPr>
-          <p:cNvPicPr>
-            <a:picLocks noChangeAspect="1"/>
-          </p:cNvPicPr>
-          <p:nvPr/>
-        </p:nvPicPr>
-        <p:blipFill rotWithShape="1">
-          <a:blip r:embed="rId3"/>
-          <a:srcRect l="679"/>
-          <a:stretch/>
-        </p:blipFill>
-        <p:spPr>
-          <a:xfrm>
-            <a:off x="2567559" y="1817249"/>
-            <a:ext cx="6402665" cy="4359714"/>
-          </a:xfrm>
-          <a:prstGeom prst="rect">
-            <a:avLst/>
-          </a:prstGeom>
-        </p:spPr>
-      </p:pic>
-      <p:sp>
-        <p:nvSpPr>
-          <p:cNvPr id="5" name="Rectangle 4">
-            <a:extLst>
-              <a:ext uri="{FF2B5EF4-FFF2-40B4-BE49-F238E27FC236}">
-                <a16:creationId xmlns:a16="http://schemas.microsoft.com/office/drawing/2014/main" id="{73B986E9-3C8B-47D8-8407-BED534E08E84}"/>
-              </a:ext>
-            </a:extLst>
-          </p:cNvPr>
-          <p:cNvSpPr/>
-          <p:nvPr/>
-        </p:nvSpPr>
-        <p:spPr>
-          <a:xfrm>
-            <a:off x="0" y="6514022"/>
-            <a:ext cx="6769100" cy="276999"/>
-          </a:xfrm>
-          <a:prstGeom prst="rect">
-            <a:avLst/>
-          </a:prstGeom>
-        </p:spPr>
-        <p:txBody>
-          <a:bodyPr wrap="square">
-            <a:spAutoFit/>
-          </a:bodyPr>
-          <a:lstStyle/>
-          <a:p>
-            <a:r>
-              <a:rPr lang="en-US" sz="1200" dirty="0"/>
-              <a:t>Figures by </a:t>
-            </a:r>
-            <a:r>
-              <a:rPr lang="en-US" sz="1200" dirty="0">
-                <a:hlinkClick r:id="rId4"/>
-              </a:rPr>
-              <a:t>http://jalammar.github.io/illustrated-transformer/</a:t>
-            </a:r>
-            <a:endParaRPr lang="en-US" sz="1200" dirty="0"/>
-          </a:p>
-        </p:txBody>
-      </p:sp>
-    </p:spTree>
-    <p:extLst>
-      <p:ext uri="{BB962C8B-B14F-4D97-AF65-F5344CB8AC3E}">
-        <p14:creationId xmlns:p14="http://schemas.microsoft.com/office/powerpoint/2010/main" val="3031278463"/>
-      </p:ext>
-    </p:extLst>
-  </p:cSld>
-  <p:clrMapOvr>
-    <a:masterClrMapping/>
-  </p:clrMapOvr>
-</p:sld>
-</file>
-
 <file path=ppt/slides/slide14.xml><?xml version="1.0" encoding="utf-8"?>
 <p:sld xmlns:a="http://schemas.openxmlformats.org/drawingml/2006/main" xmlns:r="http://schemas.openxmlformats.org/officeDocument/2006/relationships" xmlns:p="http://schemas.openxmlformats.org/presentationml/2006/main">
   <p:cSld>
@@ -5879,7 +6088,7 @@
           <p:cNvPr id="2" name="Title 1">
             <a:extLst>
               <a:ext uri="{FF2B5EF4-FFF2-40B4-BE49-F238E27FC236}">
-                <a16:creationId xmlns:a16="http://schemas.microsoft.com/office/drawing/2014/main" id="{3EB53D5E-CF67-4951-A398-0F5B463E85AD}"/>
+                <a16:creationId xmlns:a16="http://schemas.microsoft.com/office/drawing/2014/main" id="{8CED09FE-378A-4F14-8D15-EBFA75BA333A}"/>
               </a:ext>
             </a:extLst>
           </p:cNvPr>
@@ -5897,7 +6106,7 @@
           <a:p>
             <a:r>
               <a:rPr lang="en-US" dirty="0"/>
-              <a:t>BERT - Demo</a:t>
+              <a:t>BERT – Pre-Training</a:t>
             </a:r>
           </a:p>
         </p:txBody>
@@ -5907,7 +6116,7 @@
           <p:cNvPr id="3" name="Content Placeholder 2">
             <a:extLst>
               <a:ext uri="{FF2B5EF4-FFF2-40B4-BE49-F238E27FC236}">
-                <a16:creationId xmlns:a16="http://schemas.microsoft.com/office/drawing/2014/main" id="{3294C0A7-9E39-4C1C-BC24-EDAE271538AC}"/>
+                <a16:creationId xmlns:a16="http://schemas.microsoft.com/office/drawing/2014/main" id="{16AFB9A2-6C38-4ED0-B50F-8469A9E91C22}"/>
               </a:ext>
             </a:extLst>
           </p:cNvPr>
@@ -5925,37 +6134,85 @@
           <a:p>
             <a:r>
               <a:rPr lang="en-US" dirty="0"/>
-              <a:t>Fill in the Mask Demo </a:t>
-            </a:r>
-          </a:p>
-          <a:p>
-            <a:endParaRPr lang="en-US" dirty="0"/>
-          </a:p>
-          <a:p>
-            <a:pPr marL="0" indent="0">
-              <a:buNone/>
-            </a:pPr>
-            <a:r>
-              <a:rPr lang="en-US" dirty="0"/>
-              <a:t> </a:t>
-            </a:r>
-            <a:r>
-              <a:rPr lang="en-US" dirty="0">
-                <a:hlinkClick r:id="rId2"/>
+              <a:t>Next sentence prediction</a:t>
+            </a:r>
+          </a:p>
+        </p:txBody>
+      </p:sp>
+      <p:pic>
+        <p:nvPicPr>
+          <p:cNvPr id="4" name="Picture 3">
+            <a:extLst>
+              <a:ext uri="{FF2B5EF4-FFF2-40B4-BE49-F238E27FC236}">
+                <a16:creationId xmlns:a16="http://schemas.microsoft.com/office/drawing/2014/main" id="{7E970AF7-8F75-4B3D-9C51-5732F4478A82}"/>
+              </a:ext>
+            </a:extLst>
+          </p:cNvPr>
+          <p:cNvPicPr>
+            <a:picLocks noChangeAspect="1"/>
+          </p:cNvPicPr>
+          <p:nvPr/>
+        </p:nvPicPr>
+        <p:blipFill rotWithShape="1">
+          <a:blip r:embed="rId3"/>
+          <a:srcRect l="679"/>
+          <a:stretch/>
+        </p:blipFill>
+        <p:spPr>
+          <a:xfrm>
+            <a:off x="2567559" y="1817249"/>
+            <a:ext cx="6402665" cy="4359714"/>
+          </a:xfrm>
+          <a:prstGeom prst="rect">
+            <a:avLst/>
+          </a:prstGeom>
+        </p:spPr>
+      </p:pic>
+      <p:sp>
+        <p:nvSpPr>
+          <p:cNvPr id="5" name="Rectangle 4">
+            <a:extLst>
+              <a:ext uri="{FF2B5EF4-FFF2-40B4-BE49-F238E27FC236}">
+                <a16:creationId xmlns:a16="http://schemas.microsoft.com/office/drawing/2014/main" id="{73B986E9-3C8B-47D8-8407-BED534E08E84}"/>
+              </a:ext>
+            </a:extLst>
+          </p:cNvPr>
+          <p:cNvSpPr/>
+          <p:nvPr/>
+        </p:nvSpPr>
+        <p:spPr>
+          <a:xfrm>
+            <a:off x="0" y="6514022"/>
+            <a:ext cx="6769100" cy="276999"/>
+          </a:xfrm>
+          <a:prstGeom prst="rect">
+            <a:avLst/>
+          </a:prstGeom>
+        </p:spPr>
+        <p:txBody>
+          <a:bodyPr wrap="square">
+            <a:spAutoFit/>
+          </a:bodyPr>
+          <a:lstStyle/>
+          <a:p>
+            <a:r>
+              <a:rPr lang="en-US" sz="1200" dirty="0"/>
+              <a:t>Figures by </a:t>
+            </a:r>
+            <a:r>
+              <a:rPr lang="en-US" sz="1200" dirty="0">
+                <a:hlinkClick r:id="rId4"/>
               </a:rPr>
-              <a:t>https://colab.research.google.com/drive/1kKhfoEsc-NbhxtpMI5VIBgr22V05OGeg?usp=sharing</a:t>
-            </a:r>
-            <a:endParaRPr lang="en-US" dirty="0"/>
-          </a:p>
-          <a:p>
-            <a:endParaRPr lang="en-US" dirty="0"/>
+              <a:t>http://jalammar.github.io/illustrated-transformer/</a:t>
+            </a:r>
+            <a:endParaRPr lang="en-US" sz="1200" dirty="0"/>
           </a:p>
         </p:txBody>
       </p:sp>
     </p:spTree>
     <p:extLst>
       <p:ext uri="{BB962C8B-B14F-4D97-AF65-F5344CB8AC3E}">
-        <p14:creationId xmlns:p14="http://schemas.microsoft.com/office/powerpoint/2010/main" val="3284848015"/>
+        <p14:creationId xmlns:p14="http://schemas.microsoft.com/office/powerpoint/2010/main" val="3031278463"/>
       </p:ext>
     </p:extLst>
   </p:cSld>
@@ -5987,7 +6244,7 @@
           <p:cNvPr id="2" name="Title 1">
             <a:extLst>
               <a:ext uri="{FF2B5EF4-FFF2-40B4-BE49-F238E27FC236}">
-                <a16:creationId xmlns:a16="http://schemas.microsoft.com/office/drawing/2014/main" id="{E9CD5947-EAFD-41C6-B3CB-2DA0EF99E4B9}"/>
+                <a16:creationId xmlns:a16="http://schemas.microsoft.com/office/drawing/2014/main" id="{3EB53D5E-CF67-4951-A398-0F5B463E85AD}"/>
               </a:ext>
             </a:extLst>
           </p:cNvPr>
@@ -6005,7 +6262,7 @@
           <a:p>
             <a:r>
               <a:rPr lang="en-US" dirty="0"/>
-              <a:t>BERT – Fine-Tuning</a:t>
+              <a:t>BERT - Demo</a:t>
             </a:r>
           </a:p>
         </p:txBody>
@@ -6015,7 +6272,7 @@
           <p:cNvPr id="3" name="Content Placeholder 2">
             <a:extLst>
               <a:ext uri="{FF2B5EF4-FFF2-40B4-BE49-F238E27FC236}">
-                <a16:creationId xmlns:a16="http://schemas.microsoft.com/office/drawing/2014/main" id="{8C5AB8D9-8AC7-48D7-ADBF-7F4D991DA1F7}"/>
+                <a16:creationId xmlns:a16="http://schemas.microsoft.com/office/drawing/2014/main" id="{3294C0A7-9E39-4C1C-BC24-EDAE271538AC}"/>
               </a:ext>
             </a:extLst>
           </p:cNvPr>
@@ -6026,78 +6283,44 @@
             <p:ph idx="1"/>
           </p:nvPr>
         </p:nvSpPr>
-        <p:spPr>
-          <a:xfrm>
-            <a:off x="838200" y="1341690"/>
-            <a:ext cx="4886325" cy="4835273"/>
-          </a:xfrm>
-        </p:spPr>
+        <p:spPr/>
         <p:txBody>
           <a:bodyPr/>
           <a:lstStyle/>
           <a:p>
             <a:r>
               <a:rPr lang="en-US" dirty="0"/>
-              <a:t>A single task-specific layer is placed after the body of transformer blocks</a:t>
+              <a:t>Fill in the Mask Demo </a:t>
             </a:r>
           </a:p>
           <a:p>
             <a:endParaRPr lang="en-US" dirty="0"/>
           </a:p>
           <a:p>
-            <a:r>
-              <a:rPr lang="en-US" dirty="0"/>
-              <a:t> Maps the general purpose representation to a task specific output</a:t>
-            </a:r>
-          </a:p>
-          <a:p>
+            <a:pPr marL="0" indent="0">
+              <a:buNone/>
+            </a:pPr>
+            <a:r>
+              <a:rPr lang="en-US" dirty="0"/>
+              <a:t> </a:t>
+            </a:r>
+            <a:r>
+              <a:rPr lang="en-US" dirty="0">
+                <a:hlinkClick r:id="rId2"/>
+              </a:rPr>
+              <a:t>https://colab.research.google.com/drive/1kKhfoEsc-NbhxtpMI5VIBgr22V05OGeg?usp=sharing</a:t>
+            </a:r>
             <a:endParaRPr lang="en-US" dirty="0"/>
           </a:p>
           <a:p>
-            <a:r>
-              <a:rPr lang="en-US" dirty="0"/>
-              <a:t> This method allows SOTA results with “relatively” low amount of labeled data</a:t>
-            </a:r>
-          </a:p>
-          <a:p>
             <a:endParaRPr lang="en-US" dirty="0"/>
           </a:p>
         </p:txBody>
       </p:sp>
-      <p:pic>
-        <p:nvPicPr>
-          <p:cNvPr id="6" name="Picture 5">
-            <a:extLst>
-              <a:ext uri="{FF2B5EF4-FFF2-40B4-BE49-F238E27FC236}">
-                <a16:creationId xmlns:a16="http://schemas.microsoft.com/office/drawing/2014/main" id="{0D3D50AB-897C-4F55-91F2-BB8045F8D7B8}"/>
-              </a:ext>
-            </a:extLst>
-          </p:cNvPr>
-          <p:cNvPicPr>
-            <a:picLocks noChangeAspect="1"/>
-          </p:cNvPicPr>
-          <p:nvPr/>
-        </p:nvPicPr>
-        <p:blipFill>
-          <a:blip r:embed="rId2"/>
-          <a:stretch>
-            <a:fillRect/>
-          </a:stretch>
-        </p:blipFill>
-        <p:spPr>
-          <a:xfrm>
-            <a:off x="5576436" y="1263427"/>
-            <a:ext cx="6468378" cy="4991797"/>
-          </a:xfrm>
-          <a:prstGeom prst="rect">
-            <a:avLst/>
-          </a:prstGeom>
-        </p:spPr>
-      </p:pic>
     </p:spTree>
     <p:extLst>
       <p:ext uri="{BB962C8B-B14F-4D97-AF65-F5344CB8AC3E}">
-        <p14:creationId xmlns:p14="http://schemas.microsoft.com/office/powerpoint/2010/main" val="1552592969"/>
+        <p14:creationId xmlns:p14="http://schemas.microsoft.com/office/powerpoint/2010/main" val="3284848015"/>
       </p:ext>
     </p:extLst>
   </p:cSld>
@@ -6129,7 +6352,7 @@
           <p:cNvPr id="2" name="Title 1">
             <a:extLst>
               <a:ext uri="{FF2B5EF4-FFF2-40B4-BE49-F238E27FC236}">
-                <a16:creationId xmlns:a16="http://schemas.microsoft.com/office/drawing/2014/main" id="{72157EB6-B941-4D48-B566-6C4FE84F71BD}"/>
+                <a16:creationId xmlns:a16="http://schemas.microsoft.com/office/drawing/2014/main" id="{E9CD5947-EAFD-41C6-B3CB-2DA0EF99E4B9}"/>
               </a:ext>
             </a:extLst>
           </p:cNvPr>
@@ -6152,21 +6375,73 @@
           </a:p>
         </p:txBody>
       </p:sp>
-      <p:pic>
-        <p:nvPicPr>
-          <p:cNvPr id="4" name="Content Placeholder 3">
-            <a:extLst>
-              <a:ext uri="{FF2B5EF4-FFF2-40B4-BE49-F238E27FC236}">
-                <a16:creationId xmlns:a16="http://schemas.microsoft.com/office/drawing/2014/main" id="{DCBBE792-E673-4D91-AA2B-15DC7BF95F74}"/>
-              </a:ext>
-            </a:extLst>
-          </p:cNvPr>
-          <p:cNvPicPr>
-            <a:picLocks noGrp="1" noChangeAspect="1"/>
-          </p:cNvPicPr>
+      <p:sp>
+        <p:nvSpPr>
+          <p:cNvPr id="3" name="Content Placeholder 2">
+            <a:extLst>
+              <a:ext uri="{FF2B5EF4-FFF2-40B4-BE49-F238E27FC236}">
+                <a16:creationId xmlns:a16="http://schemas.microsoft.com/office/drawing/2014/main" id="{8C5AB8D9-8AC7-48D7-ADBF-7F4D991DA1F7}"/>
+              </a:ext>
+            </a:extLst>
+          </p:cNvPr>
+          <p:cNvSpPr>
+            <a:spLocks noGrp="1"/>
+          </p:cNvSpPr>
           <p:nvPr>
             <p:ph idx="1"/>
           </p:nvPr>
+        </p:nvSpPr>
+        <p:spPr>
+          <a:xfrm>
+            <a:off x="838200" y="1341690"/>
+            <a:ext cx="4886325" cy="4835273"/>
+          </a:xfrm>
+        </p:spPr>
+        <p:txBody>
+          <a:bodyPr/>
+          <a:lstStyle/>
+          <a:p>
+            <a:r>
+              <a:rPr lang="en-US" dirty="0"/>
+              <a:t>A single task-specific layer is placed after the body of transformer blocks</a:t>
+            </a:r>
+          </a:p>
+          <a:p>
+            <a:endParaRPr lang="en-US" dirty="0"/>
+          </a:p>
+          <a:p>
+            <a:r>
+              <a:rPr lang="en-US" dirty="0"/>
+              <a:t> Maps the general purpose representation to a task specific output</a:t>
+            </a:r>
+          </a:p>
+          <a:p>
+            <a:endParaRPr lang="en-US" dirty="0"/>
+          </a:p>
+          <a:p>
+            <a:r>
+              <a:rPr lang="en-US" dirty="0"/>
+              <a:t> This method allows SOTA results with “relatively” low amount of labeled data</a:t>
+            </a:r>
+          </a:p>
+          <a:p>
+            <a:endParaRPr lang="en-US" dirty="0"/>
+          </a:p>
+        </p:txBody>
+      </p:sp>
+      <p:pic>
+        <p:nvPicPr>
+          <p:cNvPr id="6" name="Picture 5">
+            <a:extLst>
+              <a:ext uri="{FF2B5EF4-FFF2-40B4-BE49-F238E27FC236}">
+                <a16:creationId xmlns:a16="http://schemas.microsoft.com/office/drawing/2014/main" id="{0D3D50AB-897C-4F55-91F2-BB8045F8D7B8}"/>
+              </a:ext>
+            </a:extLst>
+          </p:cNvPr>
+          <p:cNvPicPr>
+            <a:picLocks noChangeAspect="1"/>
+          </p:cNvPicPr>
+          <p:nvPr/>
         </p:nvPicPr>
         <p:blipFill>
           <a:blip r:embed="rId2"/>
@@ -6176,8 +6451,8 @@
         </p:blipFill>
         <p:spPr>
           <a:xfrm>
-            <a:off x="1302065" y="1398588"/>
-            <a:ext cx="9587870" cy="4835525"/>
+            <a:off x="5576436" y="1263427"/>
+            <a:ext cx="6468378" cy="4991797"/>
           </a:xfrm>
           <a:prstGeom prst="rect">
             <a:avLst/>
@@ -6187,7 +6462,7 @@
     </p:spTree>
     <p:extLst>
       <p:ext uri="{BB962C8B-B14F-4D97-AF65-F5344CB8AC3E}">
-        <p14:creationId xmlns:p14="http://schemas.microsoft.com/office/powerpoint/2010/main" val="2277945149"/>
+        <p14:creationId xmlns:p14="http://schemas.microsoft.com/office/powerpoint/2010/main" val="1552592969"/>
       </p:ext>
     </p:extLst>
   </p:cSld>
@@ -6219,7 +6494,7 @@
           <p:cNvPr id="2" name="Title 1">
             <a:extLst>
               <a:ext uri="{FF2B5EF4-FFF2-40B4-BE49-F238E27FC236}">
-                <a16:creationId xmlns:a16="http://schemas.microsoft.com/office/drawing/2014/main" id="{B2D2B6D5-9E5D-47F3-A9A7-1CA0CCAA9029}"/>
+                <a16:creationId xmlns:a16="http://schemas.microsoft.com/office/drawing/2014/main" id="{72157EB6-B941-4D48-B566-6C4FE84F71BD}"/>
               </a:ext>
             </a:extLst>
           </p:cNvPr>
@@ -6247,7 +6522,7 @@
           <p:cNvPr id="4" name="Content Placeholder 3">
             <a:extLst>
               <a:ext uri="{FF2B5EF4-FFF2-40B4-BE49-F238E27FC236}">
-                <a16:creationId xmlns:a16="http://schemas.microsoft.com/office/drawing/2014/main" id="{864F3F0B-E9F6-4B57-A1F1-01755EEEC856}"/>
+                <a16:creationId xmlns:a16="http://schemas.microsoft.com/office/drawing/2014/main" id="{DCBBE792-E673-4D91-AA2B-15DC7BF95F74}"/>
               </a:ext>
             </a:extLst>
           </p:cNvPr>
@@ -6266,8 +6541,8 @@
         </p:blipFill>
         <p:spPr>
           <a:xfrm>
-            <a:off x="1266072" y="1341438"/>
-            <a:ext cx="9659856" cy="4835525"/>
+            <a:off x="1302065" y="1398588"/>
+            <a:ext cx="9587870" cy="4835525"/>
           </a:xfrm>
           <a:prstGeom prst="rect">
             <a:avLst/>
@@ -6277,7 +6552,7 @@
     </p:spTree>
     <p:extLst>
       <p:ext uri="{BB962C8B-B14F-4D97-AF65-F5344CB8AC3E}">
-        <p14:creationId xmlns:p14="http://schemas.microsoft.com/office/powerpoint/2010/main" val="1297483817"/>
+        <p14:creationId xmlns:p14="http://schemas.microsoft.com/office/powerpoint/2010/main" val="2277945149"/>
       </p:ext>
     </p:extLst>
   </p:cSld>
@@ -6309,7 +6584,7 @@
           <p:cNvPr id="2" name="Title 1">
             <a:extLst>
               <a:ext uri="{FF2B5EF4-FFF2-40B4-BE49-F238E27FC236}">
-                <a16:creationId xmlns:a16="http://schemas.microsoft.com/office/drawing/2014/main" id="{4034A1B7-5296-469F-8E29-2EEF1A48815D}"/>
+                <a16:creationId xmlns:a16="http://schemas.microsoft.com/office/drawing/2014/main" id="{B2D2B6D5-9E5D-47F3-A9A7-1CA0CCAA9029}"/>
               </a:ext>
             </a:extLst>
           </p:cNvPr>
@@ -6327,143 +6602,47 @@
           <a:p>
             <a:r>
               <a:rPr lang="en-US" dirty="0"/>
-              <a:t>BERT - Results</a:t>
+              <a:t>BERT – Fine-Tuning</a:t>
             </a:r>
           </a:p>
         </p:txBody>
       </p:sp>
       <p:pic>
         <p:nvPicPr>
-          <p:cNvPr id="4098" name="Picture 2" descr="Going Beyond SQuAD (Part 1) - Towards Data Science">
-            <a:extLst>
-              <a:ext uri="{FF2B5EF4-FFF2-40B4-BE49-F238E27FC236}">
-                <a16:creationId xmlns:a16="http://schemas.microsoft.com/office/drawing/2014/main" id="{EE8CEB8B-07D9-4685-A423-9D974C844F0D}"/>
+          <p:cNvPr id="4" name="Content Placeholder 3">
+            <a:extLst>
+              <a:ext uri="{FF2B5EF4-FFF2-40B4-BE49-F238E27FC236}">
+                <a16:creationId xmlns:a16="http://schemas.microsoft.com/office/drawing/2014/main" id="{864F3F0B-E9F6-4B57-A1F1-01755EEEC856}"/>
               </a:ext>
             </a:extLst>
           </p:cNvPr>
           <p:cNvPicPr>
-            <a:picLocks noChangeAspect="1" noChangeArrowheads="1"/>
+            <a:picLocks noGrp="1" noChangeAspect="1"/>
           </p:cNvPicPr>
-          <p:nvPr/>
+          <p:nvPr>
+            <p:ph idx="1"/>
+          </p:nvPr>
         </p:nvPicPr>
         <p:blipFill>
-          <a:blip r:embed="rId2">
-            <a:extLst>
-              <a:ext uri="{28A0092B-C50C-407E-A947-70E740481C1C}">
-                <a14:useLocalDpi xmlns:a14="http://schemas.microsoft.com/office/drawing/2010/main" val="0"/>
-              </a:ext>
-            </a:extLst>
-          </a:blip>
-          <a:srcRect/>
+          <a:blip r:embed="rId2"/>
           <a:stretch>
             <a:fillRect/>
           </a:stretch>
         </p:blipFill>
-        <p:spPr bwMode="auto">
-          <a:xfrm>
-            <a:off x="1730828" y="1341690"/>
-            <a:ext cx="8441871" cy="4924425"/>
+        <p:spPr>
+          <a:xfrm>
+            <a:off x="1266072" y="1341438"/>
+            <a:ext cx="9659856" cy="4835525"/>
           </a:xfrm>
           <a:prstGeom prst="rect">
             <a:avLst/>
           </a:prstGeom>
-          <a:noFill/>
-          <a:extLst>
-            <a:ext uri="{909E8E84-426E-40DD-AFC4-6F175D3DCCD1}">
-              <a14:hiddenFill xmlns:a14="http://schemas.microsoft.com/office/drawing/2010/main">
-                <a:solidFill>
-                  <a:srgbClr val="FFFFFF"/>
-                </a:solidFill>
-              </a14:hiddenFill>
-            </a:ext>
-          </a:extLst>
         </p:spPr>
       </p:pic>
-      <p:cxnSp>
-        <p:nvCxnSpPr>
-          <p:cNvPr id="6" name="Straight Connector 5">
-            <a:extLst>
-              <a:ext uri="{FF2B5EF4-FFF2-40B4-BE49-F238E27FC236}">
-                <a16:creationId xmlns:a16="http://schemas.microsoft.com/office/drawing/2014/main" id="{1F07F6B3-C3AD-443C-B8DD-D367D79595AE}"/>
-              </a:ext>
-            </a:extLst>
-          </p:cNvPr>
-          <p:cNvCxnSpPr/>
-          <p:nvPr/>
-        </p:nvCxnSpPr>
-        <p:spPr>
-          <a:xfrm>
-            <a:off x="2743200" y="2228850"/>
-            <a:ext cx="7248525" cy="0"/>
-          </a:xfrm>
-          <a:prstGeom prst="line">
-            <a:avLst/>
-          </a:prstGeom>
-          <a:ln w="19050">
-            <a:solidFill>
-              <a:srgbClr val="FF0000"/>
-            </a:solidFill>
-            <a:prstDash val="sysDash"/>
-          </a:ln>
-        </p:spPr>
-        <p:style>
-          <a:lnRef idx="1">
-            <a:schemeClr val="accent1"/>
-          </a:lnRef>
-          <a:fillRef idx="0">
-            <a:schemeClr val="accent1"/>
-          </a:fillRef>
-          <a:effectRef idx="0">
-            <a:schemeClr val="accent1"/>
-          </a:effectRef>
-          <a:fontRef idx="minor">
-            <a:schemeClr val="tx1"/>
-          </a:fontRef>
-        </p:style>
-      </p:cxnSp>
-      <p:sp>
-        <p:nvSpPr>
-          <p:cNvPr id="7" name="TextBox 6">
-            <a:extLst>
-              <a:ext uri="{FF2B5EF4-FFF2-40B4-BE49-F238E27FC236}">
-                <a16:creationId xmlns:a16="http://schemas.microsoft.com/office/drawing/2014/main" id="{FDF42781-5793-48BA-B1CF-ABC4FB417DA2}"/>
-              </a:ext>
-            </a:extLst>
-          </p:cNvPr>
-          <p:cNvSpPr txBox="1"/>
-          <p:nvPr/>
-        </p:nvSpPr>
-        <p:spPr>
-          <a:xfrm>
-            <a:off x="10042072" y="2044184"/>
-            <a:ext cx="1098096" cy="369332"/>
-          </a:xfrm>
-          <a:prstGeom prst="rect">
-            <a:avLst/>
-          </a:prstGeom>
-          <a:noFill/>
-        </p:spPr>
-        <p:txBody>
-          <a:bodyPr wrap="square" rtlCol="0">
-            <a:spAutoFit/>
-          </a:bodyPr>
-          <a:lstStyle/>
-          <a:p>
-            <a:r>
-              <a:rPr lang="en-US" dirty="0">
-                <a:solidFill>
-                  <a:srgbClr val="FF0000"/>
-                </a:solidFill>
-              </a:rPr>
-              <a:t>Humans</a:t>
-            </a:r>
-          </a:p>
-        </p:txBody>
-      </p:sp>
     </p:spTree>
     <p:extLst>
       <p:ext uri="{BB962C8B-B14F-4D97-AF65-F5344CB8AC3E}">
-        <p14:creationId xmlns:p14="http://schemas.microsoft.com/office/powerpoint/2010/main" val="1213769501"/>
+        <p14:creationId xmlns:p14="http://schemas.microsoft.com/office/powerpoint/2010/main" val="1297483817"/>
       </p:ext>
     </p:extLst>
   </p:cSld>
@@ -6495,7 +6674,7 @@
           <p:cNvPr id="2" name="Title 1">
             <a:extLst>
               <a:ext uri="{FF2B5EF4-FFF2-40B4-BE49-F238E27FC236}">
-                <a16:creationId xmlns:a16="http://schemas.microsoft.com/office/drawing/2014/main" id="{559E3CEC-F612-49BE-8D22-3AF1672D4B42}"/>
+                <a16:creationId xmlns:a16="http://schemas.microsoft.com/office/drawing/2014/main" id="{4034A1B7-5296-469F-8E29-2EEF1A48815D}"/>
               </a:ext>
             </a:extLst>
           </p:cNvPr>
@@ -6513,106 +6692,143 @@
           <a:p>
             <a:r>
               <a:rPr lang="en-US" dirty="0"/>
-              <a:t>BERT</a:t>
-            </a:r>
-          </a:p>
-        </p:txBody>
-      </p:sp>
-      <p:sp>
-        <p:nvSpPr>
-          <p:cNvPr id="3" name="Content Placeholder 2">
-            <a:extLst>
-              <a:ext uri="{FF2B5EF4-FFF2-40B4-BE49-F238E27FC236}">
-                <a16:creationId xmlns:a16="http://schemas.microsoft.com/office/drawing/2014/main" id="{3D7758ED-47A8-4138-987F-319F39C42671}"/>
-              </a:ext>
-            </a:extLst>
-          </p:cNvPr>
-          <p:cNvSpPr>
-            <a:spLocks noGrp="1"/>
-          </p:cNvSpPr>
-          <p:nvPr>
-            <p:ph idx="1"/>
-          </p:nvPr>
-        </p:nvSpPr>
-        <p:spPr/>
-        <p:txBody>
-          <a:bodyPr/>
-          <a:lstStyle/>
-          <a:p>
-            <a:r>
-              <a:rPr lang="en-US" dirty="0"/>
-              <a:t>What happens when you see a word never seen in your fixed vocabulary?</a:t>
-            </a:r>
-          </a:p>
-          <a:p>
-            <a:pPr lvl="1"/>
-            <a:r>
-              <a:rPr lang="en-US" dirty="0"/>
-              <a:t>out-of-vocabulary words</a:t>
-            </a:r>
-          </a:p>
-          <a:p>
-            <a:r>
-              <a:rPr lang="en-US" dirty="0"/>
-              <a:t>BERT uses </a:t>
-            </a:r>
-            <a:r>
-              <a:rPr lang="en-US" dirty="0" err="1"/>
-              <a:t>WordPiece</a:t>
-            </a:r>
-            <a:r>
-              <a:rPr lang="en-US" dirty="0"/>
-              <a:t> (a variation of BPE)</a:t>
-            </a:r>
-          </a:p>
-          <a:p>
-            <a:pPr marL="0" indent="0">
-              <a:buNone/>
-            </a:pPr>
-            <a:endParaRPr lang="en-US" dirty="0"/>
-          </a:p>
-          <a:p>
-            <a:endParaRPr lang="en-US" dirty="0"/>
-          </a:p>
-          <a:p>
-            <a:endParaRPr lang="en-US" dirty="0"/>
+              <a:t>BERT - Results</a:t>
+            </a:r>
           </a:p>
         </p:txBody>
       </p:sp>
       <p:pic>
         <p:nvPicPr>
-          <p:cNvPr id="4" name="Picture 3">
-            <a:extLst>
-              <a:ext uri="{FF2B5EF4-FFF2-40B4-BE49-F238E27FC236}">
-                <a16:creationId xmlns:a16="http://schemas.microsoft.com/office/drawing/2014/main" id="{317DB284-EC94-46D6-92B8-1C79193D31B5}"/>
+          <p:cNvPr id="4098" name="Picture 2" descr="Going Beyond SQuAD (Part 1) - Towards Data Science">
+            <a:extLst>
+              <a:ext uri="{FF2B5EF4-FFF2-40B4-BE49-F238E27FC236}">
+                <a16:creationId xmlns:a16="http://schemas.microsoft.com/office/drawing/2014/main" id="{EE8CEB8B-07D9-4685-A423-9D974C844F0D}"/>
               </a:ext>
             </a:extLst>
           </p:cNvPr>
           <p:cNvPicPr>
-            <a:picLocks noChangeAspect="1"/>
+            <a:picLocks noChangeAspect="1" noChangeArrowheads="1"/>
           </p:cNvPicPr>
           <p:nvPr/>
         </p:nvPicPr>
         <p:blipFill>
-          <a:blip r:embed="rId3"/>
+          <a:blip r:embed="rId2">
+            <a:extLst>
+              <a:ext uri="{28A0092B-C50C-407E-A947-70E740481C1C}">
+                <a14:useLocalDpi xmlns:a14="http://schemas.microsoft.com/office/drawing/2010/main" val="0"/>
+              </a:ext>
+            </a:extLst>
+          </a:blip>
+          <a:srcRect/>
           <a:stretch>
             <a:fillRect/>
           </a:stretch>
         </p:blipFill>
-        <p:spPr>
-          <a:xfrm>
-            <a:off x="1300353" y="3273551"/>
-            <a:ext cx="9297903" cy="2088844"/>
+        <p:spPr bwMode="auto">
+          <a:xfrm>
+            <a:off x="1730828" y="1341690"/>
+            <a:ext cx="8441871" cy="4924425"/>
           </a:xfrm>
           <a:prstGeom prst="rect">
             <a:avLst/>
           </a:prstGeom>
+          <a:noFill/>
+          <a:extLst>
+            <a:ext uri="{909E8E84-426E-40DD-AFC4-6F175D3DCCD1}">
+              <a14:hiddenFill xmlns:a14="http://schemas.microsoft.com/office/drawing/2010/main">
+                <a:solidFill>
+                  <a:srgbClr val="FFFFFF"/>
+                </a:solidFill>
+              </a14:hiddenFill>
+            </a:ext>
+          </a:extLst>
         </p:spPr>
       </p:pic>
+      <p:cxnSp>
+        <p:nvCxnSpPr>
+          <p:cNvPr id="6" name="Straight Connector 5">
+            <a:extLst>
+              <a:ext uri="{FF2B5EF4-FFF2-40B4-BE49-F238E27FC236}">
+                <a16:creationId xmlns:a16="http://schemas.microsoft.com/office/drawing/2014/main" id="{1F07F6B3-C3AD-443C-B8DD-D367D79595AE}"/>
+              </a:ext>
+            </a:extLst>
+          </p:cNvPr>
+          <p:cNvCxnSpPr/>
+          <p:nvPr/>
+        </p:nvCxnSpPr>
+        <p:spPr>
+          <a:xfrm>
+            <a:off x="2743200" y="2228850"/>
+            <a:ext cx="7248525" cy="0"/>
+          </a:xfrm>
+          <a:prstGeom prst="line">
+            <a:avLst/>
+          </a:prstGeom>
+          <a:ln w="19050">
+            <a:solidFill>
+              <a:srgbClr val="FF0000"/>
+            </a:solidFill>
+            <a:prstDash val="sysDash"/>
+          </a:ln>
+        </p:spPr>
+        <p:style>
+          <a:lnRef idx="1">
+            <a:schemeClr val="accent1"/>
+          </a:lnRef>
+          <a:fillRef idx="0">
+            <a:schemeClr val="accent1"/>
+          </a:fillRef>
+          <a:effectRef idx="0">
+            <a:schemeClr val="accent1"/>
+          </a:effectRef>
+          <a:fontRef idx="minor">
+            <a:schemeClr val="tx1"/>
+          </a:fontRef>
+        </p:style>
+      </p:cxnSp>
+      <p:sp>
+        <p:nvSpPr>
+          <p:cNvPr id="7" name="TextBox 6">
+            <a:extLst>
+              <a:ext uri="{FF2B5EF4-FFF2-40B4-BE49-F238E27FC236}">
+                <a16:creationId xmlns:a16="http://schemas.microsoft.com/office/drawing/2014/main" id="{FDF42781-5793-48BA-B1CF-ABC4FB417DA2}"/>
+              </a:ext>
+            </a:extLst>
+          </p:cNvPr>
+          <p:cNvSpPr txBox="1"/>
+          <p:nvPr/>
+        </p:nvSpPr>
+        <p:spPr>
+          <a:xfrm>
+            <a:off x="10042072" y="2044184"/>
+            <a:ext cx="1098096" cy="369332"/>
+          </a:xfrm>
+          <a:prstGeom prst="rect">
+            <a:avLst/>
+          </a:prstGeom>
+          <a:noFill/>
+        </p:spPr>
+        <p:txBody>
+          <a:bodyPr wrap="square" rtlCol="0">
+            <a:spAutoFit/>
+          </a:bodyPr>
+          <a:lstStyle/>
+          <a:p>
+            <a:r>
+              <a:rPr lang="en-US" dirty="0">
+                <a:solidFill>
+                  <a:srgbClr val="FF0000"/>
+                </a:solidFill>
+              </a:rPr>
+              <a:t>Humans</a:t>
+            </a:r>
+          </a:p>
+        </p:txBody>
+      </p:sp>
     </p:spTree>
     <p:extLst>
       <p:ext uri="{BB962C8B-B14F-4D97-AF65-F5344CB8AC3E}">
-        <p14:creationId xmlns:p14="http://schemas.microsoft.com/office/powerpoint/2010/main" val="821429508"/>
+        <p14:creationId xmlns:p14="http://schemas.microsoft.com/office/powerpoint/2010/main" val="1213769501"/>
       </p:ext>
     </p:extLst>
   </p:cSld>
@@ -7156,7 +7372,7 @@
           <p:cNvPr id="2" name="Title 1">
             <a:extLst>
               <a:ext uri="{FF2B5EF4-FFF2-40B4-BE49-F238E27FC236}">
-                <a16:creationId xmlns:a16="http://schemas.microsoft.com/office/drawing/2014/main" id="{5A4C7632-7930-40DC-937E-C53462E9A202}"/>
+                <a16:creationId xmlns:a16="http://schemas.microsoft.com/office/drawing/2014/main" id="{559E3CEC-F612-49BE-8D22-3AF1672D4B42}"/>
               </a:ext>
             </a:extLst>
           </p:cNvPr>
@@ -7174,7 +7390,7 @@
           <a:p>
             <a:r>
               <a:rPr lang="en-US" dirty="0"/>
-              <a:t>AraBERT</a:t>
+              <a:t>BERT</a:t>
             </a:r>
           </a:p>
         </p:txBody>
@@ -7184,7 +7400,7 @@
           <p:cNvPr id="3" name="Content Placeholder 2">
             <a:extLst>
               <a:ext uri="{FF2B5EF4-FFF2-40B4-BE49-F238E27FC236}">
-                <a16:creationId xmlns:a16="http://schemas.microsoft.com/office/drawing/2014/main" id="{5BDB5B61-52BF-4728-92C8-9525C19B043B}"/>
+                <a16:creationId xmlns:a16="http://schemas.microsoft.com/office/drawing/2014/main" id="{3D7758ED-47A8-4138-987F-319F39C42671}"/>
               </a:ext>
             </a:extLst>
           </p:cNvPr>
@@ -7202,61 +7418,37 @@
           <a:p>
             <a:r>
               <a:rPr lang="en-US" dirty="0"/>
-              <a:t>We trained the first Arabic only BERT – AraBERT</a:t>
-            </a:r>
-          </a:p>
-          <a:p>
-            <a:r>
-              <a:rPr lang="en-US" dirty="0"/>
-              <a:t>Same as BERT-base</a:t>
-            </a:r>
-          </a:p>
-          <a:p>
+              <a:t>What happens when you see a word never seen in your fixed vocabulary?</a:t>
+            </a:r>
+          </a:p>
+          <a:p>
+            <a:pPr lvl="1"/>
+            <a:r>
+              <a:rPr lang="en-US" dirty="0"/>
+              <a:t>out-of-vocabulary words</a:t>
+            </a:r>
+          </a:p>
+          <a:p>
+            <a:r>
+              <a:rPr lang="en-US" dirty="0"/>
+              <a:t>BERT uses </a:t>
+            </a:r>
+            <a:r>
+              <a:rPr lang="en-US" dirty="0" err="1"/>
+              <a:t>WordPiece</a:t>
+            </a:r>
+            <a:r>
+              <a:rPr lang="en-US" dirty="0"/>
+              <a:t> (a variation of BPE)</a:t>
+            </a:r>
+          </a:p>
+          <a:p>
+            <a:pPr marL="0" indent="0">
+              <a:buNone/>
+            </a:pPr>
             <a:endParaRPr lang="en-US" dirty="0"/>
           </a:p>
           <a:p>
-            <a:r>
-              <a:rPr lang="en-US" dirty="0"/>
-              <a:t>Trained on 3B words or ~70M sentences or ~23GB of text</a:t>
-            </a:r>
-          </a:p>
-          <a:p>
-            <a:pPr lvl="1"/>
-            <a:r>
-              <a:rPr lang="en-US" dirty="0"/>
-              <a:t>Arabic Wikipedia</a:t>
-            </a:r>
-          </a:p>
-          <a:p>
-            <a:pPr lvl="1"/>
-            <a:r>
-              <a:rPr lang="en-US" dirty="0"/>
-              <a:t>News Articles from all over the arab region</a:t>
-            </a:r>
-          </a:p>
-          <a:p>
-            <a:endParaRPr lang="en-US" dirty="0"/>
-          </a:p>
-          <a:p>
-            <a:r>
-              <a:rPr lang="en-US" dirty="0"/>
-              <a:t>Training took 5 days on a TPUv3-8 128GB</a:t>
-            </a:r>
-          </a:p>
-          <a:p>
-            <a:endParaRPr lang="en-US" dirty="0"/>
-          </a:p>
-          <a:p>
-            <a:r>
-              <a:rPr lang="en-US" dirty="0"/>
-              <a:t>Model available for free on: </a:t>
-            </a:r>
-            <a:r>
-              <a:rPr lang="en-US" dirty="0">
-                <a:hlinkClick r:id="rId2"/>
-              </a:rPr>
-              <a:t>github.com/aub-mind/arabert</a:t>
-            </a:r>
             <a:endParaRPr lang="en-US" dirty="0"/>
           </a:p>
           <a:p>
@@ -7266,55 +7458,38 @@
       </p:sp>
       <p:pic>
         <p:nvPicPr>
-          <p:cNvPr id="5122" name="Picture 2" descr="https://github.com/aub-mind/arabert/raw/master/arabert_logo.png">
-            <a:extLst>
-              <a:ext uri="{FF2B5EF4-FFF2-40B4-BE49-F238E27FC236}">
-                <a16:creationId xmlns:a16="http://schemas.microsoft.com/office/drawing/2014/main" id="{31BC1E6C-52F4-4324-99FD-1F431AB47B69}"/>
+          <p:cNvPr id="4" name="Picture 3">
+            <a:extLst>
+              <a:ext uri="{FF2B5EF4-FFF2-40B4-BE49-F238E27FC236}">
+                <a16:creationId xmlns:a16="http://schemas.microsoft.com/office/drawing/2014/main" id="{317DB284-EC94-46D6-92B8-1C79193D31B5}"/>
               </a:ext>
             </a:extLst>
           </p:cNvPr>
           <p:cNvPicPr>
-            <a:picLocks noChangeAspect="1" noChangeArrowheads="1"/>
+            <a:picLocks noChangeAspect="1"/>
           </p:cNvPicPr>
           <p:nvPr/>
         </p:nvPicPr>
         <p:blipFill>
-          <a:blip r:embed="rId3">
-            <a:extLst>
-              <a:ext uri="{28A0092B-C50C-407E-A947-70E740481C1C}">
-                <a14:useLocalDpi xmlns:a14="http://schemas.microsoft.com/office/drawing/2010/main" val="0"/>
-              </a:ext>
-            </a:extLst>
-          </a:blip>
-          <a:srcRect/>
+          <a:blip r:embed="rId3"/>
           <a:stretch>
             <a:fillRect/>
           </a:stretch>
         </p:blipFill>
-        <p:spPr bwMode="auto">
-          <a:xfrm>
-            <a:off x="9577389" y="1552575"/>
-            <a:ext cx="2218668" cy="3471863"/>
+        <p:spPr>
+          <a:xfrm>
+            <a:off x="1300353" y="3273551"/>
+            <a:ext cx="9297903" cy="2088844"/>
           </a:xfrm>
           <a:prstGeom prst="rect">
             <a:avLst/>
           </a:prstGeom>
-          <a:noFill/>
-          <a:extLst>
-            <a:ext uri="{909E8E84-426E-40DD-AFC4-6F175D3DCCD1}">
-              <a14:hiddenFill xmlns:a14="http://schemas.microsoft.com/office/drawing/2010/main">
-                <a:solidFill>
-                  <a:srgbClr val="FFFFFF"/>
-                </a:solidFill>
-              </a14:hiddenFill>
-            </a:ext>
-          </a:extLst>
         </p:spPr>
       </p:pic>
     </p:spTree>
     <p:extLst>
       <p:ext uri="{BB962C8B-B14F-4D97-AF65-F5344CB8AC3E}">
-        <p14:creationId xmlns:p14="http://schemas.microsoft.com/office/powerpoint/2010/main" val="3356076140"/>
+        <p14:creationId xmlns:p14="http://schemas.microsoft.com/office/powerpoint/2010/main" val="821429508"/>
       </p:ext>
     </p:extLst>
   </p:cSld>
@@ -7346,6 +7521,196 @@
           <p:cNvPr id="2" name="Title 1">
             <a:extLst>
               <a:ext uri="{FF2B5EF4-FFF2-40B4-BE49-F238E27FC236}">
+                <a16:creationId xmlns:a16="http://schemas.microsoft.com/office/drawing/2014/main" id="{5A4C7632-7930-40DC-937E-C53462E9A202}"/>
+              </a:ext>
+            </a:extLst>
+          </p:cNvPr>
+          <p:cNvSpPr>
+            <a:spLocks noGrp="1"/>
+          </p:cNvSpPr>
+          <p:nvPr>
+            <p:ph type="title"/>
+          </p:nvPr>
+        </p:nvSpPr>
+        <p:spPr/>
+        <p:txBody>
+          <a:bodyPr/>
+          <a:lstStyle/>
+          <a:p>
+            <a:r>
+              <a:rPr lang="en-US" dirty="0"/>
+              <a:t>AraBERT</a:t>
+            </a:r>
+          </a:p>
+        </p:txBody>
+      </p:sp>
+      <p:sp>
+        <p:nvSpPr>
+          <p:cNvPr id="3" name="Content Placeholder 2">
+            <a:extLst>
+              <a:ext uri="{FF2B5EF4-FFF2-40B4-BE49-F238E27FC236}">
+                <a16:creationId xmlns:a16="http://schemas.microsoft.com/office/drawing/2014/main" id="{5BDB5B61-52BF-4728-92C8-9525C19B043B}"/>
+              </a:ext>
+            </a:extLst>
+          </p:cNvPr>
+          <p:cNvSpPr>
+            <a:spLocks noGrp="1"/>
+          </p:cNvSpPr>
+          <p:nvPr>
+            <p:ph idx="1"/>
+          </p:nvPr>
+        </p:nvSpPr>
+        <p:spPr/>
+        <p:txBody>
+          <a:bodyPr/>
+          <a:lstStyle/>
+          <a:p>
+            <a:r>
+              <a:rPr lang="en-US" dirty="0"/>
+              <a:t>We trained the first Arabic only BERT – AraBERT</a:t>
+            </a:r>
+          </a:p>
+          <a:p>
+            <a:r>
+              <a:rPr lang="en-US" dirty="0"/>
+              <a:t>Same as BERT-base</a:t>
+            </a:r>
+          </a:p>
+          <a:p>
+            <a:endParaRPr lang="en-US" dirty="0"/>
+          </a:p>
+          <a:p>
+            <a:r>
+              <a:rPr lang="en-US" dirty="0"/>
+              <a:t>Trained on 3B words or ~70M sentences or ~23GB of text</a:t>
+            </a:r>
+          </a:p>
+          <a:p>
+            <a:pPr lvl="1"/>
+            <a:r>
+              <a:rPr lang="en-US" dirty="0"/>
+              <a:t>Arabic Wikipedia</a:t>
+            </a:r>
+          </a:p>
+          <a:p>
+            <a:pPr lvl="1"/>
+            <a:r>
+              <a:rPr lang="en-US" dirty="0"/>
+              <a:t>News Articles from all over the arab region</a:t>
+            </a:r>
+          </a:p>
+          <a:p>
+            <a:endParaRPr lang="en-US" dirty="0"/>
+          </a:p>
+          <a:p>
+            <a:r>
+              <a:rPr lang="en-US" dirty="0"/>
+              <a:t>Training took 5 days on a TPUv3-8 128GB</a:t>
+            </a:r>
+          </a:p>
+          <a:p>
+            <a:endParaRPr lang="en-US" dirty="0"/>
+          </a:p>
+          <a:p>
+            <a:r>
+              <a:rPr lang="en-US" dirty="0"/>
+              <a:t>Model available for free on: </a:t>
+            </a:r>
+            <a:r>
+              <a:rPr lang="en-US" dirty="0">
+                <a:hlinkClick r:id="rId2"/>
+              </a:rPr>
+              <a:t>github.com/aub-mind/arabert</a:t>
+            </a:r>
+            <a:endParaRPr lang="en-US" dirty="0"/>
+          </a:p>
+          <a:p>
+            <a:endParaRPr lang="en-US" dirty="0"/>
+          </a:p>
+        </p:txBody>
+      </p:sp>
+      <p:pic>
+        <p:nvPicPr>
+          <p:cNvPr id="5122" name="Picture 2" descr="https://github.com/aub-mind/arabert/raw/master/arabert_logo.png">
+            <a:extLst>
+              <a:ext uri="{FF2B5EF4-FFF2-40B4-BE49-F238E27FC236}">
+                <a16:creationId xmlns:a16="http://schemas.microsoft.com/office/drawing/2014/main" id="{31BC1E6C-52F4-4324-99FD-1F431AB47B69}"/>
+              </a:ext>
+            </a:extLst>
+          </p:cNvPr>
+          <p:cNvPicPr>
+            <a:picLocks noChangeAspect="1" noChangeArrowheads="1"/>
+          </p:cNvPicPr>
+          <p:nvPr/>
+        </p:nvPicPr>
+        <p:blipFill>
+          <a:blip r:embed="rId3">
+            <a:extLst>
+              <a:ext uri="{28A0092B-C50C-407E-A947-70E740481C1C}">
+                <a14:useLocalDpi xmlns:a14="http://schemas.microsoft.com/office/drawing/2010/main" val="0"/>
+              </a:ext>
+            </a:extLst>
+          </a:blip>
+          <a:srcRect/>
+          <a:stretch>
+            <a:fillRect/>
+          </a:stretch>
+        </p:blipFill>
+        <p:spPr bwMode="auto">
+          <a:xfrm>
+            <a:off x="9577389" y="1552575"/>
+            <a:ext cx="2218668" cy="3471863"/>
+          </a:xfrm>
+          <a:prstGeom prst="rect">
+            <a:avLst/>
+          </a:prstGeom>
+          <a:noFill/>
+          <a:extLst>
+            <a:ext uri="{909E8E84-426E-40DD-AFC4-6F175D3DCCD1}">
+              <a14:hiddenFill xmlns:a14="http://schemas.microsoft.com/office/drawing/2010/main">
+                <a:solidFill>
+                  <a:srgbClr val="FFFFFF"/>
+                </a:solidFill>
+              </a14:hiddenFill>
+            </a:ext>
+          </a:extLst>
+        </p:spPr>
+      </p:pic>
+    </p:spTree>
+    <p:extLst>
+      <p:ext uri="{BB962C8B-B14F-4D97-AF65-F5344CB8AC3E}">
+        <p14:creationId xmlns:p14="http://schemas.microsoft.com/office/powerpoint/2010/main" val="3356076140"/>
+      </p:ext>
+    </p:extLst>
+  </p:cSld>
+  <p:clrMapOvr>
+    <a:masterClrMapping/>
+  </p:clrMapOvr>
+</p:sld>
+</file>
+
+<file path=ppt/slides/slide22.xml><?xml version="1.0" encoding="utf-8"?>
+<p:sld xmlns:a="http://schemas.openxmlformats.org/drawingml/2006/main" xmlns:r="http://schemas.openxmlformats.org/officeDocument/2006/relationships" xmlns:p="http://schemas.openxmlformats.org/presentationml/2006/main">
+  <p:cSld>
+    <p:spTree>
+      <p:nvGrpSpPr>
+        <p:cNvPr id="1" name=""/>
+        <p:cNvGrpSpPr/>
+        <p:nvPr/>
+      </p:nvGrpSpPr>
+      <p:grpSpPr>
+        <a:xfrm>
+          <a:off x="0" y="0"/>
+          <a:ext cx="0" cy="0"/>
+          <a:chOff x="0" y="0"/>
+          <a:chExt cx="0" cy="0"/>
+        </a:xfrm>
+      </p:grpSpPr>
+      <p:sp>
+        <p:nvSpPr>
+          <p:cNvPr id="2" name="Title 1">
+            <a:extLst>
+              <a:ext uri="{FF2B5EF4-FFF2-40B4-BE49-F238E27FC236}">
                 <a16:creationId xmlns:a16="http://schemas.microsoft.com/office/drawing/2014/main" id="{D616E6C4-3669-4975-A5CA-DDE2945228C6}"/>
               </a:ext>
             </a:extLst>
@@ -7501,7 +7866,7 @@
 </p:sld>
 </file>
 
-<file path=ppt/slides/slide22.xml><?xml version="1.0" encoding="utf-8"?>
+<file path=ppt/slides/slide23.xml><?xml version="1.0" encoding="utf-8"?>
 <p:sld xmlns:a="http://schemas.openxmlformats.org/drawingml/2006/main" xmlns:r="http://schemas.openxmlformats.org/officeDocument/2006/relationships" xmlns:p="http://schemas.openxmlformats.org/presentationml/2006/main">
   <p:cSld>
     <p:spTree>
@@ -7958,7 +8323,7 @@
 </p:sld>
 </file>
 
-<file path=ppt/slides/slide23.xml><?xml version="1.0" encoding="utf-8"?>
+<file path=ppt/slides/slide24.xml><?xml version="1.0" encoding="utf-8"?>
 <p:sld xmlns:a="http://schemas.openxmlformats.org/drawingml/2006/main" xmlns:r="http://schemas.openxmlformats.org/officeDocument/2006/relationships" xmlns:p="http://schemas.openxmlformats.org/presentationml/2006/main">
   <p:cSld>
     <p:spTree>
@@ -8208,173 +8573,6 @@
 </p:sld>
 </file>
 
-<file path=ppt/slides/slide24.xml><?xml version="1.0" encoding="utf-8"?>
-<p:sld xmlns:a="http://schemas.openxmlformats.org/drawingml/2006/main" xmlns:r="http://schemas.openxmlformats.org/officeDocument/2006/relationships" xmlns:p="http://schemas.openxmlformats.org/presentationml/2006/main">
-  <p:cSld>
-    <p:spTree>
-      <p:nvGrpSpPr>
-        <p:cNvPr id="1" name=""/>
-        <p:cNvGrpSpPr/>
-        <p:nvPr/>
-      </p:nvGrpSpPr>
-      <p:grpSpPr>
-        <a:xfrm>
-          <a:off x="0" y="0"/>
-          <a:ext cx="0" cy="0"/>
-          <a:chOff x="0" y="0"/>
-          <a:chExt cx="0" cy="0"/>
-        </a:xfrm>
-      </p:grpSpPr>
-      <p:sp>
-        <p:nvSpPr>
-          <p:cNvPr id="2" name="Title 1">
-            <a:extLst>
-              <a:ext uri="{FF2B5EF4-FFF2-40B4-BE49-F238E27FC236}">
-                <a16:creationId xmlns:a16="http://schemas.microsoft.com/office/drawing/2014/main" id="{B4ACB712-6420-4620-8FF8-9618D4C38DB7}"/>
-              </a:ext>
-            </a:extLst>
-          </p:cNvPr>
-          <p:cNvSpPr>
-            <a:spLocks noGrp="1"/>
-          </p:cNvSpPr>
-          <p:nvPr>
-            <p:ph type="title"/>
-          </p:nvPr>
-        </p:nvSpPr>
-        <p:spPr/>
-        <p:txBody>
-          <a:bodyPr/>
-          <a:lstStyle/>
-          <a:p>
-            <a:r>
-              <a:rPr lang="en-US" dirty="0"/>
-              <a:t>AraBERT – What's Next?</a:t>
-            </a:r>
-          </a:p>
-        </p:txBody>
-      </p:sp>
-      <p:sp>
-        <p:nvSpPr>
-          <p:cNvPr id="3" name="Content Placeholder 2">
-            <a:extLst>
-              <a:ext uri="{FF2B5EF4-FFF2-40B4-BE49-F238E27FC236}">
-                <a16:creationId xmlns:a16="http://schemas.microsoft.com/office/drawing/2014/main" id="{CD2C5EF9-7DB4-4BB8-97F8-5DE01BEC5507}"/>
-              </a:ext>
-            </a:extLst>
-          </p:cNvPr>
-          <p:cNvSpPr>
-            <a:spLocks noGrp="1"/>
-          </p:cNvSpPr>
-          <p:nvPr>
-            <p:ph idx="1"/>
-          </p:nvPr>
-        </p:nvSpPr>
-        <p:spPr/>
-        <p:txBody>
-          <a:bodyPr/>
-          <a:lstStyle/>
-          <a:p>
-            <a:r>
-              <a:rPr lang="en-US" dirty="0"/>
-              <a:t>Training BERT-Large</a:t>
-            </a:r>
-          </a:p>
-          <a:p>
-            <a:r>
-              <a:rPr lang="en-US" dirty="0"/>
-              <a:t>Moving from BERT to other models: ALBERT, ELECTRA, </a:t>
-            </a:r>
-            <a:r>
-              <a:rPr lang="en-US" dirty="0" err="1"/>
-              <a:t>RoBERTA</a:t>
-            </a:r>
-            <a:r>
-              <a:rPr lang="en-US" dirty="0"/>
-              <a:t>…? Generative Models?</a:t>
-            </a:r>
-          </a:p>
-          <a:p>
-            <a:endParaRPr lang="en-US" dirty="0"/>
-          </a:p>
-          <a:p>
-            <a:r>
-              <a:rPr lang="en-US" dirty="0"/>
-              <a:t>The Arabic Dialects problem:</a:t>
-            </a:r>
-          </a:p>
-        </p:txBody>
-      </p:sp>
-      <p:pic>
-        <p:nvPicPr>
-          <p:cNvPr id="4" name="Picture 3">
-            <a:extLst>
-              <a:ext uri="{FF2B5EF4-FFF2-40B4-BE49-F238E27FC236}">
-                <a16:creationId xmlns:a16="http://schemas.microsoft.com/office/drawing/2014/main" id="{214FFE93-BC7D-41E8-A4E0-83B7F7B39570}"/>
-              </a:ext>
-            </a:extLst>
-          </p:cNvPr>
-          <p:cNvPicPr>
-            <a:picLocks noChangeAspect="1"/>
-          </p:cNvPicPr>
-          <p:nvPr/>
-        </p:nvPicPr>
-        <p:blipFill rotWithShape="1">
-          <a:blip r:embed="rId2"/>
-          <a:srcRect r="58281"/>
-          <a:stretch/>
-        </p:blipFill>
-        <p:spPr>
-          <a:xfrm>
-            <a:off x="1004888" y="3759326"/>
-            <a:ext cx="5086350" cy="2499772"/>
-          </a:xfrm>
-          <a:prstGeom prst="rect">
-            <a:avLst/>
-          </a:prstGeom>
-        </p:spPr>
-      </p:pic>
-      <p:pic>
-        <p:nvPicPr>
-          <p:cNvPr id="5" name="Picture 4">
-            <a:extLst>
-              <a:ext uri="{FF2B5EF4-FFF2-40B4-BE49-F238E27FC236}">
-                <a16:creationId xmlns:a16="http://schemas.microsoft.com/office/drawing/2014/main" id="{2A46AAD5-62D2-46C2-B7D3-C397B5C32668}"/>
-              </a:ext>
-            </a:extLst>
-          </p:cNvPr>
-          <p:cNvPicPr>
-            <a:picLocks noChangeAspect="1"/>
-          </p:cNvPicPr>
-          <p:nvPr/>
-        </p:nvPicPr>
-        <p:blipFill rotWithShape="1">
-          <a:blip r:embed="rId2"/>
-          <a:srcRect l="51328"/>
-          <a:stretch/>
-        </p:blipFill>
-        <p:spPr>
-          <a:xfrm>
-            <a:off x="6257926" y="3759326"/>
-            <a:ext cx="5934075" cy="2499772"/>
-          </a:xfrm>
-          <a:prstGeom prst="rect">
-            <a:avLst/>
-          </a:prstGeom>
-        </p:spPr>
-      </p:pic>
-    </p:spTree>
-    <p:extLst>
-      <p:ext uri="{BB962C8B-B14F-4D97-AF65-F5344CB8AC3E}">
-        <p14:creationId xmlns:p14="http://schemas.microsoft.com/office/powerpoint/2010/main" val="931905936"/>
-      </p:ext>
-    </p:extLst>
-  </p:cSld>
-  <p:clrMapOvr>
-    <a:masterClrMapping/>
-  </p:clrMapOvr>
-</p:sld>
-</file>
-
 <file path=ppt/slides/slide25.xml><?xml version="1.0" encoding="utf-8"?>
 <p:sld xmlns:a="http://schemas.openxmlformats.org/drawingml/2006/main" xmlns:r="http://schemas.openxmlformats.org/officeDocument/2006/relationships" xmlns:p="http://schemas.openxmlformats.org/presentationml/2006/main">
   <p:cSld>
@@ -8397,6 +8595,173 @@
           <p:cNvPr id="2" name="Title 1">
             <a:extLst>
               <a:ext uri="{FF2B5EF4-FFF2-40B4-BE49-F238E27FC236}">
+                <a16:creationId xmlns:a16="http://schemas.microsoft.com/office/drawing/2014/main" id="{B4ACB712-6420-4620-8FF8-9618D4C38DB7}"/>
+              </a:ext>
+            </a:extLst>
+          </p:cNvPr>
+          <p:cNvSpPr>
+            <a:spLocks noGrp="1"/>
+          </p:cNvSpPr>
+          <p:nvPr>
+            <p:ph type="title"/>
+          </p:nvPr>
+        </p:nvSpPr>
+        <p:spPr/>
+        <p:txBody>
+          <a:bodyPr/>
+          <a:lstStyle/>
+          <a:p>
+            <a:r>
+              <a:rPr lang="en-US" dirty="0"/>
+              <a:t>AraBERT – What's Next?</a:t>
+            </a:r>
+          </a:p>
+        </p:txBody>
+      </p:sp>
+      <p:sp>
+        <p:nvSpPr>
+          <p:cNvPr id="3" name="Content Placeholder 2">
+            <a:extLst>
+              <a:ext uri="{FF2B5EF4-FFF2-40B4-BE49-F238E27FC236}">
+                <a16:creationId xmlns:a16="http://schemas.microsoft.com/office/drawing/2014/main" id="{CD2C5EF9-7DB4-4BB8-97F8-5DE01BEC5507}"/>
+              </a:ext>
+            </a:extLst>
+          </p:cNvPr>
+          <p:cNvSpPr>
+            <a:spLocks noGrp="1"/>
+          </p:cNvSpPr>
+          <p:nvPr>
+            <p:ph idx="1"/>
+          </p:nvPr>
+        </p:nvSpPr>
+        <p:spPr/>
+        <p:txBody>
+          <a:bodyPr/>
+          <a:lstStyle/>
+          <a:p>
+            <a:r>
+              <a:rPr lang="en-US" dirty="0"/>
+              <a:t>Training BERT-Large</a:t>
+            </a:r>
+          </a:p>
+          <a:p>
+            <a:r>
+              <a:rPr lang="en-US" dirty="0"/>
+              <a:t>Moving from BERT to other models: ALBERT, ELECTRA, </a:t>
+            </a:r>
+            <a:r>
+              <a:rPr lang="en-US" dirty="0" err="1"/>
+              <a:t>RoBERTA</a:t>
+            </a:r>
+            <a:r>
+              <a:rPr lang="en-US" dirty="0"/>
+              <a:t>…? Generative Models?</a:t>
+            </a:r>
+          </a:p>
+          <a:p>
+            <a:endParaRPr lang="en-US" dirty="0"/>
+          </a:p>
+          <a:p>
+            <a:r>
+              <a:rPr lang="en-US" dirty="0"/>
+              <a:t>The Arabic Dialects problem:</a:t>
+            </a:r>
+          </a:p>
+        </p:txBody>
+      </p:sp>
+      <p:pic>
+        <p:nvPicPr>
+          <p:cNvPr id="4" name="Picture 3">
+            <a:extLst>
+              <a:ext uri="{FF2B5EF4-FFF2-40B4-BE49-F238E27FC236}">
+                <a16:creationId xmlns:a16="http://schemas.microsoft.com/office/drawing/2014/main" id="{214FFE93-BC7D-41E8-A4E0-83B7F7B39570}"/>
+              </a:ext>
+            </a:extLst>
+          </p:cNvPr>
+          <p:cNvPicPr>
+            <a:picLocks noChangeAspect="1"/>
+          </p:cNvPicPr>
+          <p:nvPr/>
+        </p:nvPicPr>
+        <p:blipFill rotWithShape="1">
+          <a:blip r:embed="rId2"/>
+          <a:srcRect r="58281"/>
+          <a:stretch/>
+        </p:blipFill>
+        <p:spPr>
+          <a:xfrm>
+            <a:off x="1004888" y="3759326"/>
+            <a:ext cx="5086350" cy="2499772"/>
+          </a:xfrm>
+          <a:prstGeom prst="rect">
+            <a:avLst/>
+          </a:prstGeom>
+        </p:spPr>
+      </p:pic>
+      <p:pic>
+        <p:nvPicPr>
+          <p:cNvPr id="5" name="Picture 4">
+            <a:extLst>
+              <a:ext uri="{FF2B5EF4-FFF2-40B4-BE49-F238E27FC236}">
+                <a16:creationId xmlns:a16="http://schemas.microsoft.com/office/drawing/2014/main" id="{2A46AAD5-62D2-46C2-B7D3-C397B5C32668}"/>
+              </a:ext>
+            </a:extLst>
+          </p:cNvPr>
+          <p:cNvPicPr>
+            <a:picLocks noChangeAspect="1"/>
+          </p:cNvPicPr>
+          <p:nvPr/>
+        </p:nvPicPr>
+        <p:blipFill rotWithShape="1">
+          <a:blip r:embed="rId2"/>
+          <a:srcRect l="51328"/>
+          <a:stretch/>
+        </p:blipFill>
+        <p:spPr>
+          <a:xfrm>
+            <a:off x="6257926" y="3759326"/>
+            <a:ext cx="5934075" cy="2499772"/>
+          </a:xfrm>
+          <a:prstGeom prst="rect">
+            <a:avLst/>
+          </a:prstGeom>
+        </p:spPr>
+      </p:pic>
+    </p:spTree>
+    <p:extLst>
+      <p:ext uri="{BB962C8B-B14F-4D97-AF65-F5344CB8AC3E}">
+        <p14:creationId xmlns:p14="http://schemas.microsoft.com/office/powerpoint/2010/main" val="931905936"/>
+      </p:ext>
+    </p:extLst>
+  </p:cSld>
+  <p:clrMapOvr>
+    <a:masterClrMapping/>
+  </p:clrMapOvr>
+</p:sld>
+</file>
+
+<file path=ppt/slides/slide26.xml><?xml version="1.0" encoding="utf-8"?>
+<p:sld xmlns:a="http://schemas.openxmlformats.org/drawingml/2006/main" xmlns:r="http://schemas.openxmlformats.org/officeDocument/2006/relationships" xmlns:p="http://schemas.openxmlformats.org/presentationml/2006/main">
+  <p:cSld>
+    <p:spTree>
+      <p:nvGrpSpPr>
+        <p:cNvPr id="1" name=""/>
+        <p:cNvGrpSpPr/>
+        <p:nvPr/>
+      </p:nvGrpSpPr>
+      <p:grpSpPr>
+        <a:xfrm>
+          <a:off x="0" y="0"/>
+          <a:ext cx="0" cy="0"/>
+          <a:chOff x="0" y="0"/>
+          <a:chExt cx="0" cy="0"/>
+        </a:xfrm>
+      </p:grpSpPr>
+      <p:sp>
+        <p:nvSpPr>
+          <p:cNvPr id="2" name="Title 1">
+            <a:extLst>
+              <a:ext uri="{FF2B5EF4-FFF2-40B4-BE49-F238E27FC236}">
                 <a16:creationId xmlns:a16="http://schemas.microsoft.com/office/drawing/2014/main" id="{FE3E84B4-6CBF-4EEE-82F2-584A7F81C262}"/>
               </a:ext>
             </a:extLst>
@@ -8559,7 +8924,7 @@
 </p:sld>
 </file>
 
-<file path=ppt/slides/slide26.xml><?xml version="1.0" encoding="utf-8"?>
+<file path=ppt/slides/slide27.xml><?xml version="1.0" encoding="utf-8"?>
 <p:sld xmlns:a="http://schemas.openxmlformats.org/drawingml/2006/main" xmlns:r="http://schemas.openxmlformats.org/officeDocument/2006/relationships" xmlns:p="http://schemas.openxmlformats.org/presentationml/2006/main">
   <p:cSld>
     <p:spTree>
@@ -8866,6 +9231,194 @@
 </file>
 
 <file path=ppt/slides/slide3.xml><?xml version="1.0" encoding="utf-8"?>
+<p:sld xmlns:a="http://schemas.openxmlformats.org/drawingml/2006/main" xmlns:r="http://schemas.openxmlformats.org/officeDocument/2006/relationships" xmlns:p="http://schemas.openxmlformats.org/presentationml/2006/main">
+  <p:cSld>
+    <p:spTree>
+      <p:nvGrpSpPr>
+        <p:cNvPr id="1" name=""/>
+        <p:cNvGrpSpPr/>
+        <p:nvPr/>
+      </p:nvGrpSpPr>
+      <p:grpSpPr>
+        <a:xfrm>
+          <a:off x="0" y="0"/>
+          <a:ext cx="0" cy="0"/>
+          <a:chOff x="0" y="0"/>
+          <a:chExt cx="0" cy="0"/>
+        </a:xfrm>
+      </p:grpSpPr>
+      <p:sp>
+        <p:nvSpPr>
+          <p:cNvPr id="2" name="Title 1">
+            <a:extLst>
+              <a:ext uri="{FF2B5EF4-FFF2-40B4-BE49-F238E27FC236}">
+                <a16:creationId xmlns:a16="http://schemas.microsoft.com/office/drawing/2014/main" id="{A33FEFA9-5AC1-4376-AB6E-4279FDBEB0B9}"/>
+              </a:ext>
+            </a:extLst>
+          </p:cNvPr>
+          <p:cNvSpPr>
+            <a:spLocks noGrp="1"/>
+          </p:cNvSpPr>
+          <p:nvPr>
+            <p:ph type="title"/>
+          </p:nvPr>
+        </p:nvSpPr>
+        <p:spPr/>
+        <p:txBody>
+          <a:bodyPr/>
+          <a:lstStyle/>
+          <a:p>
+            <a:r>
+              <a:rPr lang="en-US" dirty="0"/>
+              <a:t>Outline</a:t>
+            </a:r>
+          </a:p>
+        </p:txBody>
+      </p:sp>
+      <p:sp>
+        <p:nvSpPr>
+          <p:cNvPr id="3" name="Content Placeholder 2">
+            <a:extLst>
+              <a:ext uri="{FF2B5EF4-FFF2-40B4-BE49-F238E27FC236}">
+                <a16:creationId xmlns:a16="http://schemas.microsoft.com/office/drawing/2014/main" id="{7ED45E24-9712-4CB7-B034-BCD376F93081}"/>
+              </a:ext>
+            </a:extLst>
+          </p:cNvPr>
+          <p:cNvSpPr>
+            <a:spLocks noGrp="1"/>
+          </p:cNvSpPr>
+          <p:nvPr>
+            <p:ph idx="1"/>
+          </p:nvPr>
+        </p:nvSpPr>
+        <p:spPr/>
+        <p:txBody>
+          <a:bodyPr>
+            <a:normAutofit fontScale="85000" lnSpcReduction="20000"/>
+          </a:bodyPr>
+          <a:lstStyle/>
+          <a:p>
+            <a:r>
+              <a:rPr lang="en-US" dirty="0"/>
+              <a:t>Transfer Learning in NLP</a:t>
+            </a:r>
+          </a:p>
+          <a:p>
+            <a:endParaRPr lang="en-US" dirty="0"/>
+          </a:p>
+          <a:p>
+            <a:r>
+              <a:rPr lang="en-US" dirty="0"/>
+              <a:t>The Transformer and Self-Attention</a:t>
+            </a:r>
+          </a:p>
+          <a:p>
+            <a:endParaRPr lang="en-US" dirty="0"/>
+          </a:p>
+          <a:p>
+            <a:r>
+              <a:rPr lang="en-US" dirty="0"/>
+              <a:t>BERT:</a:t>
+            </a:r>
+          </a:p>
+          <a:p>
+            <a:pPr lvl="1"/>
+            <a:r>
+              <a:rPr lang="en-US" dirty="0"/>
+              <a:t>Input-Output</a:t>
+            </a:r>
+          </a:p>
+          <a:p>
+            <a:pPr lvl="1"/>
+            <a:r>
+              <a:rPr lang="en-US" dirty="0"/>
+              <a:t>Pretraining</a:t>
+            </a:r>
+          </a:p>
+          <a:p>
+            <a:pPr lvl="1"/>
+            <a:r>
+              <a:rPr lang="en-US" dirty="0"/>
+              <a:t>Finetuning</a:t>
+            </a:r>
+          </a:p>
+          <a:p>
+            <a:pPr lvl="1"/>
+            <a:r>
+              <a:rPr lang="en-US" dirty="0"/>
+              <a:t>Tokenization</a:t>
+            </a:r>
+          </a:p>
+          <a:p>
+            <a:pPr lvl="1"/>
+            <a:r>
+              <a:rPr lang="en-US" dirty="0"/>
+              <a:t>Demo</a:t>
+            </a:r>
+          </a:p>
+          <a:p>
+            <a:endParaRPr lang="en-US" dirty="0"/>
+          </a:p>
+          <a:p>
+            <a:r>
+              <a:rPr lang="en-US" dirty="0"/>
+              <a:t>AraBERT</a:t>
+            </a:r>
+          </a:p>
+          <a:p>
+            <a:pPr lvl="1"/>
+            <a:r>
+              <a:rPr lang="en-US" dirty="0"/>
+              <a:t>Arabic Tokenization</a:t>
+            </a:r>
+          </a:p>
+          <a:p>
+            <a:pPr lvl="1"/>
+            <a:r>
+              <a:rPr lang="en-US" dirty="0"/>
+              <a:t>Pre-training</a:t>
+            </a:r>
+          </a:p>
+          <a:p>
+            <a:pPr lvl="1"/>
+            <a:r>
+              <a:rPr lang="en-US" dirty="0"/>
+              <a:t>Results</a:t>
+            </a:r>
+          </a:p>
+          <a:p>
+            <a:pPr lvl="1"/>
+            <a:r>
+              <a:rPr lang="en-US" dirty="0"/>
+              <a:t>Demo</a:t>
+            </a:r>
+          </a:p>
+          <a:p>
+            <a:pPr lvl="1"/>
+            <a:endParaRPr lang="en-US" dirty="0"/>
+          </a:p>
+          <a:p>
+            <a:endParaRPr lang="en-US" dirty="0"/>
+          </a:p>
+          <a:p>
+            <a:endParaRPr lang="en-US" dirty="0"/>
+          </a:p>
+        </p:txBody>
+      </p:sp>
+    </p:spTree>
+    <p:extLst>
+      <p:ext uri="{BB962C8B-B14F-4D97-AF65-F5344CB8AC3E}">
+        <p14:creationId xmlns:p14="http://schemas.microsoft.com/office/powerpoint/2010/main" val="3057281986"/>
+      </p:ext>
+    </p:extLst>
+  </p:cSld>
+  <p:clrMapOvr>
+    <a:masterClrMapping/>
+  </p:clrMapOvr>
+</p:sld>
+</file>
+
+<file path=ppt/slides/slide4.xml><?xml version="1.0" encoding="utf-8"?>
 <p:sld xmlns:a="http://schemas.openxmlformats.org/drawingml/2006/main" xmlns:r="http://schemas.openxmlformats.org/officeDocument/2006/relationships" xmlns:p="http://schemas.openxmlformats.org/presentationml/2006/main">
   <p:cSld>
     <p:spTree>
@@ -9465,7 +10018,11 @@
           <a:p>
             <a:pPr algn="ctr"/>
             <a:r>
-              <a:rPr lang="en-US" dirty="0"/>
+              <a:rPr lang="en-US" dirty="0">
+                <a:solidFill>
+                  <a:schemeClr val="tx1"/>
+                </a:solidFill>
+              </a:rPr>
               <a:t>Knowledge</a:t>
             </a:r>
           </a:p>
@@ -9900,7 +10457,7 @@
 </p:sld>
 </file>
 
-<file path=ppt/slides/slide4.xml><?xml version="1.0" encoding="utf-8"?>
+<file path=ppt/slides/slide5.xml><?xml version="1.0" encoding="utf-8"?>
 <p:sld xmlns:a="http://schemas.openxmlformats.org/drawingml/2006/main" xmlns:r="http://schemas.openxmlformats.org/officeDocument/2006/relationships" xmlns:p="http://schemas.openxmlformats.org/presentationml/2006/main">
   <p:cSld>
     <p:spTree>
@@ -10548,7 +11105,11 @@
           <a:p>
             <a:pPr algn="ctr"/>
             <a:r>
-              <a:rPr lang="en-US" dirty="0"/>
+              <a:rPr lang="en-US" dirty="0">
+                <a:solidFill>
+                  <a:schemeClr val="tx1"/>
+                </a:solidFill>
+              </a:rPr>
               <a:t>Knowledge</a:t>
             </a:r>
           </a:p>
@@ -10999,7 +11560,7 @@
 </p:sld>
 </file>
 
-<file path=ppt/slides/slide5.xml><?xml version="1.0" encoding="utf-8"?>
+<file path=ppt/slides/slide6.xml><?xml version="1.0" encoding="utf-8"?>
 <p:sld xmlns:a="http://schemas.openxmlformats.org/drawingml/2006/main" xmlns:r="http://schemas.openxmlformats.org/officeDocument/2006/relationships" xmlns:p="http://schemas.openxmlformats.org/presentationml/2006/main">
   <p:cSld>
     <p:spTree>
@@ -14198,7 +14759,7 @@
 </p:sld>
 </file>
 
-<file path=ppt/slides/slide6.xml><?xml version="1.0" encoding="utf-8"?>
+<file path=ppt/slides/slide7.xml><?xml version="1.0" encoding="utf-8"?>
 <p:sld xmlns:a="http://schemas.openxmlformats.org/drawingml/2006/main" xmlns:r="http://schemas.openxmlformats.org/officeDocument/2006/relationships" xmlns:p="http://schemas.openxmlformats.org/presentationml/2006/main">
   <p:cSld>
     <p:spTree>
@@ -14367,7 +14928,7 @@
 </p:sld>
 </file>
 
-<file path=ppt/slides/slide7.xml><?xml version="1.0" encoding="utf-8"?>
+<file path=ppt/slides/slide8.xml><?xml version="1.0" encoding="utf-8"?>
 <p:sld xmlns:a="http://schemas.openxmlformats.org/drawingml/2006/main" xmlns:r="http://schemas.openxmlformats.org/officeDocument/2006/relationships" xmlns:p="http://schemas.openxmlformats.org/presentationml/2006/main">
   <p:cSld>
     <p:spTree>
@@ -14560,7 +15121,7 @@
 </p:sld>
 </file>
 
-<file path=ppt/slides/slide8.xml><?xml version="1.0" encoding="utf-8"?>
+<file path=ppt/slides/slide9.xml><?xml version="1.0" encoding="utf-8"?>
 <p:sld xmlns:a="http://schemas.openxmlformats.org/drawingml/2006/main" xmlns:r="http://schemas.openxmlformats.org/officeDocument/2006/relationships" xmlns:p="http://schemas.openxmlformats.org/presentationml/2006/main">
   <p:cSld>
     <p:spTree>
@@ -14765,370 +15326,6 @@
     <p:extLst>
       <p:ext uri="{BB962C8B-B14F-4D97-AF65-F5344CB8AC3E}">
         <p14:creationId xmlns:p14="http://schemas.microsoft.com/office/powerpoint/2010/main" val="4213283091"/>
-      </p:ext>
-    </p:extLst>
-  </p:cSld>
-  <p:clrMapOvr>
-    <a:masterClrMapping/>
-  </p:clrMapOvr>
-</p:sld>
-</file>
-
-<file path=ppt/slides/slide9.xml><?xml version="1.0" encoding="utf-8"?>
-<p:sld xmlns:a="http://schemas.openxmlformats.org/drawingml/2006/main" xmlns:r="http://schemas.openxmlformats.org/officeDocument/2006/relationships" xmlns:p="http://schemas.openxmlformats.org/presentationml/2006/main">
-  <p:cSld>
-    <p:spTree>
-      <p:nvGrpSpPr>
-        <p:cNvPr id="1" name=""/>
-        <p:cNvGrpSpPr/>
-        <p:nvPr/>
-      </p:nvGrpSpPr>
-      <p:grpSpPr>
-        <a:xfrm>
-          <a:off x="0" y="0"/>
-          <a:ext cx="0" cy="0"/>
-          <a:chOff x="0" y="0"/>
-          <a:chExt cx="0" cy="0"/>
-        </a:xfrm>
-      </p:grpSpPr>
-      <p:pic>
-        <p:nvPicPr>
-          <p:cNvPr id="6" name="Picture 2" descr="Practical AI : Using pretrained BERT to generate grammar and ...">
-            <a:extLst>
-              <a:ext uri="{FF2B5EF4-FFF2-40B4-BE49-F238E27FC236}">
-                <a16:creationId xmlns:a16="http://schemas.microsoft.com/office/drawing/2014/main" id="{A7EDAD06-DFB5-421F-984E-6A4E60F89234}"/>
-              </a:ext>
-            </a:extLst>
-          </p:cNvPr>
-          <p:cNvPicPr>
-            <a:picLocks noChangeAspect="1" noChangeArrowheads="1"/>
-          </p:cNvPicPr>
-          <p:nvPr/>
-        </p:nvPicPr>
-        <p:blipFill rotWithShape="1">
-          <a:blip r:embed="rId2">
-            <a:extLst>
-              <a:ext uri="{28A0092B-C50C-407E-A947-70E740481C1C}">
-                <a14:useLocalDpi xmlns:a14="http://schemas.microsoft.com/office/drawing/2010/main" val="0"/>
-              </a:ext>
-            </a:extLst>
-          </a:blip>
-          <a:srcRect l="16606" r="12333"/>
-          <a:stretch/>
-        </p:blipFill>
-        <p:spPr bwMode="auto">
-          <a:xfrm>
-            <a:off x="10161437" y="3048000"/>
-            <a:ext cx="2030563" cy="3810000"/>
-          </a:xfrm>
-          <a:prstGeom prst="rect">
-            <a:avLst/>
-          </a:prstGeom>
-          <a:noFill/>
-          <a:extLst>
-            <a:ext uri="{909E8E84-426E-40DD-AFC4-6F175D3DCCD1}">
-              <a14:hiddenFill xmlns:a14="http://schemas.microsoft.com/office/drawing/2010/main">
-                <a:solidFill>
-                  <a:srgbClr val="FFFFFF"/>
-                </a:solidFill>
-              </a14:hiddenFill>
-            </a:ext>
-          </a:extLst>
-        </p:spPr>
-      </p:pic>
-      <p:sp>
-        <p:nvSpPr>
-          <p:cNvPr id="2" name="Title 1">
-            <a:extLst>
-              <a:ext uri="{FF2B5EF4-FFF2-40B4-BE49-F238E27FC236}">
-                <a16:creationId xmlns:a16="http://schemas.microsoft.com/office/drawing/2014/main" id="{3FB36340-B236-4551-BFFE-A2081656ACE3}"/>
-              </a:ext>
-            </a:extLst>
-          </p:cNvPr>
-          <p:cNvSpPr>
-            <a:spLocks noGrp="1"/>
-          </p:cNvSpPr>
-          <p:nvPr>
-            <p:ph type="title"/>
-          </p:nvPr>
-        </p:nvSpPr>
-        <p:spPr/>
-        <p:txBody>
-          <a:bodyPr/>
-          <a:lstStyle/>
-          <a:p>
-            <a:r>
-              <a:rPr lang="en-US" dirty="0"/>
-              <a:t>BERT</a:t>
-            </a:r>
-          </a:p>
-        </p:txBody>
-      </p:sp>
-      <p:sp>
-        <p:nvSpPr>
-          <p:cNvPr id="3" name="Content Placeholder 2">
-            <a:extLst>
-              <a:ext uri="{FF2B5EF4-FFF2-40B4-BE49-F238E27FC236}">
-                <a16:creationId xmlns:a16="http://schemas.microsoft.com/office/drawing/2014/main" id="{1EC1C571-DC14-4A10-8CA7-A168802B1CF3}"/>
-              </a:ext>
-            </a:extLst>
-          </p:cNvPr>
-          <p:cNvSpPr>
-            <a:spLocks noGrp="1"/>
-          </p:cNvSpPr>
-          <p:nvPr>
-            <p:ph idx="1"/>
-          </p:nvPr>
-        </p:nvSpPr>
-        <p:spPr>
-          <a:xfrm>
-            <a:off x="838200" y="1341690"/>
-            <a:ext cx="3645310" cy="4835273"/>
-          </a:xfrm>
-        </p:spPr>
-        <p:txBody>
-          <a:bodyPr/>
-          <a:lstStyle/>
-          <a:p>
-            <a:endParaRPr lang="en-US" dirty="0"/>
-          </a:p>
-          <a:p>
-            <a:r>
-              <a:rPr lang="en-US" dirty="0"/>
-              <a:t>Base: </a:t>
-            </a:r>
-          </a:p>
-          <a:p>
-            <a:pPr lvl="1"/>
-            <a:r>
-              <a:rPr lang="en-US" dirty="0"/>
-              <a:t>12 encoder layers</a:t>
-            </a:r>
-          </a:p>
-          <a:p>
-            <a:pPr lvl="1"/>
-            <a:r>
-              <a:rPr lang="en-US" dirty="0"/>
-              <a:t>12 attention heads</a:t>
-            </a:r>
-          </a:p>
-          <a:p>
-            <a:pPr lvl="1"/>
-            <a:r>
-              <a:rPr lang="en-US" dirty="0"/>
-              <a:t>768 hidden units</a:t>
-            </a:r>
-          </a:p>
-          <a:p>
-            <a:pPr lvl="1"/>
-            <a:r>
-              <a:rPr lang="en-US" dirty="0"/>
-              <a:t>~110M parameters</a:t>
-            </a:r>
-          </a:p>
-          <a:p>
-            <a:endParaRPr lang="en-US" dirty="0"/>
-          </a:p>
-          <a:p>
-            <a:r>
-              <a:rPr lang="en-US" dirty="0"/>
-              <a:t>Large: </a:t>
-            </a:r>
-          </a:p>
-          <a:p>
-            <a:pPr lvl="1"/>
-            <a:r>
-              <a:rPr lang="en-US" dirty="0"/>
-              <a:t>24 encoder layers</a:t>
-            </a:r>
-          </a:p>
-          <a:p>
-            <a:pPr lvl="1"/>
-            <a:r>
-              <a:rPr lang="en-US" dirty="0"/>
-              <a:t>16 attention heads</a:t>
-            </a:r>
-          </a:p>
-          <a:p>
-            <a:pPr lvl="1"/>
-            <a:r>
-              <a:rPr lang="en-US" dirty="0"/>
-              <a:t>1024 hidden units</a:t>
-            </a:r>
-          </a:p>
-          <a:p>
-            <a:pPr lvl="1"/>
-            <a:r>
-              <a:rPr lang="en-US" dirty="0"/>
-              <a:t>~330M parameters</a:t>
-            </a:r>
-          </a:p>
-          <a:p>
-            <a:endParaRPr lang="en-US" dirty="0"/>
-          </a:p>
-        </p:txBody>
-      </p:sp>
-      <p:pic>
-        <p:nvPicPr>
-          <p:cNvPr id="4" name="Picture 3">
-            <a:extLst>
-              <a:ext uri="{FF2B5EF4-FFF2-40B4-BE49-F238E27FC236}">
-                <a16:creationId xmlns:a16="http://schemas.microsoft.com/office/drawing/2014/main" id="{95A68674-2B9F-4C58-8423-62059B41D33F}"/>
-              </a:ext>
-            </a:extLst>
-          </p:cNvPr>
-          <p:cNvPicPr>
-            <a:picLocks noChangeAspect="1"/>
-          </p:cNvPicPr>
-          <p:nvPr/>
-        </p:nvPicPr>
-        <p:blipFill>
-          <a:blip r:embed="rId3"/>
-          <a:stretch>
-            <a:fillRect/>
-          </a:stretch>
-        </p:blipFill>
-        <p:spPr>
-          <a:xfrm>
-            <a:off x="4369312" y="1887402"/>
-            <a:ext cx="5906324" cy="3743847"/>
-          </a:xfrm>
-          <a:prstGeom prst="rect">
-            <a:avLst/>
-          </a:prstGeom>
-        </p:spPr>
-      </p:pic>
-      <p:sp>
-        <p:nvSpPr>
-          <p:cNvPr id="5" name="Rectangle 4">
-            <a:extLst>
-              <a:ext uri="{FF2B5EF4-FFF2-40B4-BE49-F238E27FC236}">
-                <a16:creationId xmlns:a16="http://schemas.microsoft.com/office/drawing/2014/main" id="{EBC301F9-2AE0-4CBE-80EA-787403F80792}"/>
-              </a:ext>
-            </a:extLst>
-          </p:cNvPr>
-          <p:cNvSpPr/>
-          <p:nvPr/>
-        </p:nvSpPr>
-        <p:spPr>
-          <a:xfrm>
-            <a:off x="838200" y="1238116"/>
-            <a:ext cx="8056949" cy="461665"/>
-          </a:xfrm>
-          <a:prstGeom prst="rect">
-            <a:avLst/>
-          </a:prstGeom>
-        </p:spPr>
-        <p:txBody>
-          <a:bodyPr wrap="none">
-            <a:spAutoFit/>
-          </a:bodyPr>
-          <a:lstStyle/>
-          <a:p>
-            <a:pPr>
-              <a:buFont typeface="Arial" panose="020B0604020202020204" pitchFamily="34" charset="0"/>
-              <a:buChar char="•"/>
-            </a:pPr>
-            <a:r>
-              <a:rPr lang="en-US" sz="2400" b="1" dirty="0"/>
-              <a:t>  </a:t>
-            </a:r>
-            <a:r>
-              <a:rPr lang="en-US" sz="2400" b="1" dirty="0">
-                <a:solidFill>
-                  <a:srgbClr val="FF0000"/>
-                </a:solidFill>
-              </a:rPr>
-              <a:t>B</a:t>
-            </a:r>
-            <a:r>
-              <a:rPr lang="en-US" sz="2400" dirty="0"/>
-              <a:t>idirectional </a:t>
-            </a:r>
-            <a:r>
-              <a:rPr lang="en-US" sz="2400" b="1" dirty="0">
-                <a:solidFill>
-                  <a:srgbClr val="FF0000"/>
-                </a:solidFill>
-              </a:rPr>
-              <a:t>E</a:t>
-            </a:r>
-            <a:r>
-              <a:rPr lang="en-US" sz="2400" dirty="0"/>
-              <a:t>ncoder </a:t>
-            </a:r>
-            <a:r>
-              <a:rPr lang="en-US" sz="2400" b="1" dirty="0">
-                <a:solidFill>
-                  <a:srgbClr val="FF0000"/>
-                </a:solidFill>
-              </a:rPr>
-              <a:t>R</a:t>
-            </a:r>
-            <a:r>
-              <a:rPr lang="en-US" sz="2400" dirty="0"/>
-              <a:t>epresentations from </a:t>
-            </a:r>
-            <a:r>
-              <a:rPr lang="en-US" sz="2400" b="1" dirty="0">
-                <a:solidFill>
-                  <a:srgbClr val="FF0000"/>
-                </a:solidFill>
-              </a:rPr>
-              <a:t>T</a:t>
-            </a:r>
-            <a:r>
-              <a:rPr lang="en-US" sz="2400" dirty="0"/>
-              <a:t>ransformers</a:t>
-            </a:r>
-          </a:p>
-        </p:txBody>
-      </p:sp>
-      <p:sp>
-        <p:nvSpPr>
-          <p:cNvPr id="7" name="Rectangle 6">
-            <a:extLst>
-              <a:ext uri="{FF2B5EF4-FFF2-40B4-BE49-F238E27FC236}">
-                <a16:creationId xmlns:a16="http://schemas.microsoft.com/office/drawing/2014/main" id="{0140D744-9598-47D7-B277-81D57EBBDD9A}"/>
-              </a:ext>
-            </a:extLst>
-          </p:cNvPr>
-          <p:cNvSpPr/>
-          <p:nvPr/>
-        </p:nvSpPr>
-        <p:spPr>
-          <a:xfrm>
-            <a:off x="0" y="6492874"/>
-            <a:ext cx="6769100" cy="276999"/>
-          </a:xfrm>
-          <a:prstGeom prst="rect">
-            <a:avLst/>
-          </a:prstGeom>
-        </p:spPr>
-        <p:txBody>
-          <a:bodyPr wrap="square">
-            <a:spAutoFit/>
-          </a:bodyPr>
-          <a:lstStyle/>
-          <a:p>
-            <a:r>
-              <a:rPr lang="en-US" sz="1200" dirty="0"/>
-              <a:t>Figures by </a:t>
-            </a:r>
-            <a:r>
-              <a:rPr lang="en-US" sz="1200" dirty="0">
-                <a:hlinkClick r:id="rId4"/>
-              </a:rPr>
-              <a:t>http://jalammar.github.io/illustrated-transformer/</a:t>
-            </a:r>
-            <a:endParaRPr lang="en-US" sz="1200" dirty="0"/>
-          </a:p>
-        </p:txBody>
-      </p:sp>
-    </p:spTree>
-    <p:extLst>
-      <p:ext uri="{BB962C8B-B14F-4D97-AF65-F5344CB8AC3E}">
-        <p14:creationId xmlns:p14="http://schemas.microsoft.com/office/powerpoint/2010/main" val="4021108708"/>
       </p:ext>
     </p:extLst>
   </p:cSld>
